--- a/Presentaties/Eindpresentatie .pptx
+++ b/Presentaties/Eindpresentatie .pptx
@@ -156,36 +156,6 @@
     </mc:Fallback>
   </mc:AlternateContent>
   <c:chart>
-    <c:title>
-      <c:overlay val="0"/>
-      <c:spPr>
-        <a:noFill/>
-        <a:ln>
-          <a:noFill/>
-        </a:ln>
-        <a:effectLst/>
-      </c:spPr>
-      <c:txPr>
-        <a:bodyPr rot="0" spcFirstLastPara="1" vertOverflow="ellipsis" vert="horz" wrap="square" anchor="ctr" anchorCtr="1"/>
-        <a:lstStyle/>
-        <a:p>
-          <a:pPr>
-            <a:defRPr sz="2128" b="1" i="0" u="none" strike="noStrike" kern="1200" baseline="0">
-              <a:solidFill>
-                <a:schemeClr val="tx1">
-                  <a:lumMod val="65000"/>
-                  <a:lumOff val="35000"/>
-                </a:schemeClr>
-              </a:solidFill>
-              <a:latin typeface="+mn-lt"/>
-              <a:ea typeface="+mn-ea"/>
-              <a:cs typeface="+mn-cs"/>
-            </a:defRPr>
-          </a:pPr>
-          <a:endParaRPr lang="nl-NL"/>
-        </a:p>
-      </c:txPr>
-    </c:title>
     <c:autoTitleDeleted val="0"/>
     <c:plotArea>
       <c:layout/>
@@ -202,53 +172,26 @@
               <c:strCache>
                 <c:ptCount val="1"/>
                 <c:pt idx="0">
-                  <c:v>Gemiddelde</c:v>
+                  <c:v>Gemiddelde score</c:v>
                 </c:pt>
               </c:strCache>
             </c:strRef>
           </c:tx>
           <c:spPr>
-            <a:gradFill rotWithShape="1">
-              <a:gsLst>
-                <a:gs pos="0">
-                  <a:schemeClr val="accent6"/>
-                </a:gs>
-                <a:gs pos="100000">
-                  <a:schemeClr val="accent6">
-                    <a:shade val="75000"/>
-                    <a:satMod val="120000"/>
-                    <a:lumMod val="90000"/>
-                  </a:schemeClr>
-                </a:gs>
-              </a:gsLst>
-              <a:lin ang="5400000" scaled="0"/>
-            </a:gradFill>
-            <a:ln>
-              <a:noFill/>
+            <a:solidFill>
+              <a:schemeClr val="accent6">
+                <a:alpha val="85000"/>
+              </a:schemeClr>
+            </a:solidFill>
+            <a:ln w="9525" cap="flat" cmpd="sng" algn="ctr">
+              <a:solidFill>
+                <a:schemeClr val="lt1">
+                  <a:alpha val="50000"/>
+                </a:schemeClr>
+              </a:solidFill>
+              <a:round/>
             </a:ln>
-            <a:effectLst>
-              <a:outerShdw blurRad="44450" dist="50800" dir="5400000" sx="96000" rotWithShape="0">
-                <a:srgbClr val="000000">
-                  <a:alpha val="34000"/>
-                </a:srgbClr>
-              </a:outerShdw>
-            </a:effectLst>
-            <a:scene3d>
-              <a:camera prst="orthographicFront">
-                <a:rot lat="0" lon="0" rev="0"/>
-              </a:camera>
-              <a:lightRig rig="threePt" dir="tl">
-                <a:rot lat="0" lon="0" rev="20400000"/>
-              </a:lightRig>
-            </a:scene3d>
-            <a:sp3d contourW="15875">
-              <a:bevelT w="101600" h="25400" prst="softRound"/>
-              <a:contourClr>
-                <a:scrgbClr r="0" g="0" b="0">
-                  <a:shade val="30000"/>
-                </a:scrgbClr>
-              </a:contourClr>
-            </a:sp3d>
+            <a:effectLst/>
           </c:spPr>
           <c:invertIfNegative val="0"/>
           <c:dLbls>
@@ -266,12 +209,9 @@
               <a:lstStyle/>
               <a:p>
                 <a:pPr>
-                  <a:defRPr sz="1197" b="0" i="0" u="none" strike="noStrike" kern="1200" baseline="0">
+                  <a:defRPr sz="1197" b="1" i="0" u="none" strike="noStrike" kern="1200" baseline="0">
                     <a:solidFill>
-                      <a:schemeClr val="tx1">
-                        <a:lumMod val="75000"/>
-                        <a:lumOff val="25000"/>
-                      </a:schemeClr>
+                      <a:schemeClr val="lt1"/>
                     </a:solidFill>
                     <a:latin typeface="+mn-lt"/>
                     <a:ea typeface="+mn-ea"/>
@@ -294,14 +234,13 @@
                 <c15:showLeaderLines val="1"/>
                 <c15:leaderLines>
                   <c:spPr>
-                    <a:ln w="9525" cap="flat" cmpd="sng" algn="ctr">
+                    <a:ln w="9525">
                       <a:solidFill>
-                        <a:schemeClr val="tx1">
-                          <a:lumMod val="35000"/>
-                          <a:lumOff val="65000"/>
+                        <a:schemeClr val="dk1">
+                          <a:lumMod val="50000"/>
+                          <a:lumOff val="50000"/>
                         </a:schemeClr>
                       </a:solidFill>
-                      <a:round/>
                     </a:ln>
                     <a:effectLst/>
                   </c:spPr>
@@ -311,53 +250,62 @@
           </c:dLbls>
           <c:cat>
             <c:strRef>
-              <c:f>Blad1!$A$2:$A$7</c:f>
+              <c:f>Blad1!$A$2:$A$9</c:f>
               <c:strCache>
-                <c:ptCount val="6"/>
+                <c:ptCount val="8"/>
                 <c:pt idx="0">
-                  <c:v>Random Sampling</c:v>
+                  <c:v>Random Sampling (1000)</c:v>
                 </c:pt>
                 <c:pt idx="1">
-                  <c:v>Hillclimber, stochastisch</c:v>
+                  <c:v>Sequential, eenvoudig (1000)</c:v>
                 </c:pt>
                 <c:pt idx="2">
-                  <c:v>Hillclimber, steepest ascent</c:v>
+                  <c:v>Simulated annealing (100)</c:v>
                 </c:pt>
                 <c:pt idx="3">
-                  <c:v>Simulated annealing</c:v>
+                  <c:v>Genetic Algoritme (20)</c:v>
                 </c:pt>
                 <c:pt idx="4">
-                  <c:v>Sequential</c:v>
+                  <c:v>Hillclimber, stochastisch (100)</c:v>
                 </c:pt>
                 <c:pt idx="5">
-                  <c:v>Genetic Algoritme</c:v>
+                  <c:v>Hillclimber, steepest ascent (50)</c:v>
+                </c:pt>
+                <c:pt idx="6">
+                  <c:v>Sequential, tweevoudig (50)</c:v>
+                </c:pt>
+                <c:pt idx="7">
+                  <c:v>Algoritme (simulaties)</c:v>
                 </c:pt>
               </c:strCache>
             </c:strRef>
           </c:cat>
           <c:val>
             <c:numRef>
-              <c:f>Blad1!$B$2:$B$7</c:f>
+              <c:f>Blad1!$B$2:$B$9</c:f>
               <c:numCache>
                 <c:formatCode>General</c:formatCode>
-                <c:ptCount val="6"/>
+                <c:ptCount val="8"/>
                 <c:pt idx="0">
-                  <c:v>-352</c:v>
+                  <c:v>-355</c:v>
                 </c:pt>
                 <c:pt idx="1">
+                  <c:v>363</c:v>
+                </c:pt>
+                <c:pt idx="2">
+                  <c:v>1110</c:v>
+                </c:pt>
+                <c:pt idx="3">
+                  <c:v>1188</c:v>
+                </c:pt>
+                <c:pt idx="4">
                   <c:v>1576</c:v>
                 </c:pt>
-                <c:pt idx="2">
-                  <c:v>1630</c:v>
+                <c:pt idx="5">
+                  <c:v>1678</c:v>
                 </c:pt>
-                <c:pt idx="3">
-                  <c:v>1110</c:v>
-                </c:pt>
-                <c:pt idx="4">
-                  <c:v>-45</c:v>
-                </c:pt>
-                <c:pt idx="5">
-                  <c:v>0</c:v>
+                <c:pt idx="6">
+                  <c:v>1692</c:v>
                 </c:pt>
               </c:numCache>
             </c:numRef>
@@ -365,6 +313,166 @@
           <c:extLst>
             <c:ext xmlns:c16="http://schemas.microsoft.com/office/drawing/2014/chart" uri="{C3380CC4-5D6E-409C-BE32-E72D297353CC}">
               <c16:uniqueId val="{00000000-7DDA-41C7-B94E-82F5F85B22BC}"/>
+            </c:ext>
+          </c:extLst>
+        </c:ser>
+        <c:ser>
+          <c:idx val="1"/>
+          <c:order val="1"/>
+          <c:tx>
+            <c:strRef>
+              <c:f>Blad1!$C$1</c:f>
+              <c:strCache>
+                <c:ptCount val="1"/>
+                <c:pt idx="0">
+                  <c:v>Maximale score</c:v>
+                </c:pt>
+              </c:strCache>
+            </c:strRef>
+          </c:tx>
+          <c:spPr>
+            <a:solidFill>
+              <a:srgbClr val="335B74"/>
+            </a:solidFill>
+            <a:ln w="9525" cap="flat" cmpd="sng" algn="ctr">
+              <a:solidFill>
+                <a:schemeClr val="lt1">
+                  <a:alpha val="50000"/>
+                </a:schemeClr>
+              </a:solidFill>
+              <a:round/>
+            </a:ln>
+            <a:effectLst/>
+          </c:spPr>
+          <c:invertIfNegative val="0"/>
+          <c:dLbls>
+            <c:spPr>
+              <a:noFill/>
+              <a:ln>
+                <a:noFill/>
+              </a:ln>
+              <a:effectLst/>
+            </c:spPr>
+            <c:txPr>
+              <a:bodyPr rot="0" spcFirstLastPara="1" vertOverflow="ellipsis" vert="horz" wrap="square" lIns="38100" tIns="19050" rIns="38100" bIns="19050" anchor="ctr" anchorCtr="1">
+                <a:spAutoFit/>
+              </a:bodyPr>
+              <a:lstStyle/>
+              <a:p>
+                <a:pPr>
+                  <a:defRPr sz="1197" b="1" i="0" u="none" strike="noStrike" kern="1200" baseline="0">
+                    <a:solidFill>
+                      <a:schemeClr val="lt1"/>
+                    </a:solidFill>
+                    <a:latin typeface="+mn-lt"/>
+                    <a:ea typeface="+mn-ea"/>
+                    <a:cs typeface="+mn-cs"/>
+                  </a:defRPr>
+                </a:pPr>
+                <a:endParaRPr lang="nl-NL"/>
+              </a:p>
+            </c:txPr>
+            <c:dLblPos val="inEnd"/>
+            <c:showLegendKey val="0"/>
+            <c:showVal val="1"/>
+            <c:showCatName val="0"/>
+            <c:showSerName val="0"/>
+            <c:showPercent val="0"/>
+            <c:showBubbleSize val="0"/>
+            <c:showLeaderLines val="0"/>
+            <c:extLst>
+              <c:ext xmlns:c15="http://schemas.microsoft.com/office/drawing/2012/chart" uri="{CE6537A1-D6FC-4f65-9D91-7224C49458BB}">
+                <c15:spPr xmlns:c15="http://schemas.microsoft.com/office/drawing/2012/chart">
+                  <a:prstGeom prst="rect">
+                    <a:avLst/>
+                  </a:prstGeom>
+                  <a:noFill/>
+                  <a:ln>
+                    <a:noFill/>
+                  </a:ln>
+                </c15:spPr>
+                <c15:showLeaderLines val="1"/>
+                <c15:leaderLines>
+                  <c:spPr>
+                    <a:ln w="9525">
+                      <a:solidFill>
+                        <a:schemeClr val="dk1">
+                          <a:lumMod val="50000"/>
+                          <a:lumOff val="50000"/>
+                        </a:schemeClr>
+                      </a:solidFill>
+                    </a:ln>
+                    <a:effectLst/>
+                  </c:spPr>
+                </c15:leaderLines>
+              </c:ext>
+            </c:extLst>
+          </c:dLbls>
+          <c:cat>
+            <c:strRef>
+              <c:f>Blad1!$A$2:$A$9</c:f>
+              <c:strCache>
+                <c:ptCount val="8"/>
+                <c:pt idx="0">
+                  <c:v>Random Sampling (1000)</c:v>
+                </c:pt>
+                <c:pt idx="1">
+                  <c:v>Sequential, eenvoudig (1000)</c:v>
+                </c:pt>
+                <c:pt idx="2">
+                  <c:v>Simulated annealing (100)</c:v>
+                </c:pt>
+                <c:pt idx="3">
+                  <c:v>Genetic Algoritme (20)</c:v>
+                </c:pt>
+                <c:pt idx="4">
+                  <c:v>Hillclimber, stochastisch (100)</c:v>
+                </c:pt>
+                <c:pt idx="5">
+                  <c:v>Hillclimber, steepest ascent (50)</c:v>
+                </c:pt>
+                <c:pt idx="6">
+                  <c:v>Sequential, tweevoudig (50)</c:v>
+                </c:pt>
+                <c:pt idx="7">
+                  <c:v>Algoritme (simulaties)</c:v>
+                </c:pt>
+              </c:strCache>
+            </c:strRef>
+          </c:cat>
+          <c:val>
+            <c:numRef>
+              <c:f>Blad1!$C$2:$C$9</c:f>
+              <c:numCache>
+                <c:formatCode>General</c:formatCode>
+                <c:ptCount val="8"/>
+                <c:pt idx="0">
+                  <c:v>-32</c:v>
+                </c:pt>
+                <c:pt idx="1">
+                  <c:v>647</c:v>
+                </c:pt>
+                <c:pt idx="2">
+                  <c:v>1293</c:v>
+                </c:pt>
+                <c:pt idx="3">
+                  <c:v>1337</c:v>
+                </c:pt>
+                <c:pt idx="4">
+                  <c:v>1681</c:v>
+                </c:pt>
+                <c:pt idx="5">
+                  <c:v>1747</c:v>
+                </c:pt>
+                <c:pt idx="6">
+                  <c:v>1742</c:v>
+                </c:pt>
+              </c:numCache>
+            </c:numRef>
+          </c:val>
+          <c:extLst>
+            <c:ext xmlns:c16="http://schemas.microsoft.com/office/drawing/2014/chart" uri="{C3380CC4-5D6E-409C-BE32-E72D297353CC}">
+              <c16:uniqueId val="{00000000-8386-4744-8321-D1FE17E7FACD}"/>
             </c:ext>
           </c:extLst>
         </c:ser>
@@ -377,8 +485,7 @@
           <c:showPercent val="0"/>
           <c:showBubbleSize val="0"/>
         </c:dLbls>
-        <c:gapWidth val="115"/>
-        <c:overlap val="-20"/>
+        <c:gapWidth val="65"/>
         <c:axId val="524861440"/>
         <c:axId val="524859480"/>
       </c:barChart>
@@ -395,11 +502,11 @@
         <c:tickLblPos val="low"/>
         <c:spPr>
           <a:noFill/>
-          <a:ln w="12700" cap="flat" cmpd="sng" algn="ctr">
+          <a:ln w="19050" cap="flat" cmpd="sng" algn="ctr">
             <a:solidFill>
-              <a:schemeClr val="tx1">
-                <a:lumMod val="15000"/>
-                <a:lumOff val="85000"/>
+              <a:schemeClr val="dk1">
+                <a:lumMod val="75000"/>
+                <a:lumOff val="25000"/>
               </a:schemeClr>
             </a:solidFill>
             <a:round/>
@@ -411,12 +518,9 @@
           <a:lstStyle/>
           <a:p>
             <a:pPr>
-              <a:defRPr sz="1197" b="0" i="0" u="none" strike="noStrike" kern="1200" baseline="0">
+              <a:defRPr sz="1197" b="0" i="0" u="none" strike="noStrike" kern="1200" cap="all" baseline="0">
                 <a:solidFill>
-                  <a:schemeClr val="tx1">
-                    <a:lumMod val="65000"/>
-                    <a:lumOff val="35000"/>
-                  </a:schemeClr>
+                  <a:schemeClr val="tx1"/>
                 </a:solidFill>
                 <a:latin typeface="+mn-lt"/>
                 <a:ea typeface="+mn-ea"/>
@@ -443,12 +547,24 @@
         <c:majorGridlines>
           <c:spPr>
             <a:ln w="9525" cap="flat" cmpd="sng" algn="ctr">
-              <a:solidFill>
-                <a:schemeClr val="tx1">
-                  <a:lumMod val="15000"/>
-                  <a:lumOff val="85000"/>
-                </a:schemeClr>
-              </a:solidFill>
+              <a:gradFill>
+                <a:gsLst>
+                  <a:gs pos="100000">
+                    <a:schemeClr val="dk1">
+                      <a:lumMod val="95000"/>
+                      <a:lumOff val="5000"/>
+                      <a:alpha val="42000"/>
+                    </a:schemeClr>
+                  </a:gs>
+                  <a:gs pos="0">
+                    <a:schemeClr val="lt1">
+                      <a:lumMod val="75000"/>
+                      <a:alpha val="36000"/>
+                    </a:schemeClr>
+                  </a:gs>
+                </a:gsLst>
+                <a:lin ang="5400000" scaled="0"/>
+              </a:gradFill>
               <a:round/>
             </a:ln>
             <a:effectLst/>
@@ -472,9 +588,9 @@
             <a:pPr>
               <a:defRPr sz="1197" b="0" i="0" u="none" strike="noStrike" kern="1200" baseline="0">
                 <a:solidFill>
-                  <a:schemeClr val="tx1">
-                    <a:lumMod val="65000"/>
-                    <a:lumOff val="35000"/>
+                  <a:schemeClr val="dk1">
+                    <a:lumMod val="75000"/>
+                    <a:lumOff val="25000"/>
                   </a:schemeClr>
                 </a:solidFill>
                 <a:latin typeface="+mn-lt"/>
@@ -499,9 +615,24 @@
     </c:plotArea>
     <c:legend>
       <c:legendPos val="b"/>
+      <c:layout>
+        <c:manualLayout>
+          <c:xMode val="edge"/>
+          <c:yMode val="edge"/>
+          <c:x val="0.33709936216460057"/>
+          <c:y val="0.931526215326554"/>
+          <c:w val="0.32085603871148743"/>
+          <c:h val="6.8473784673446031E-2"/>
+        </c:manualLayout>
+      </c:layout>
       <c:overlay val="0"/>
       <c:spPr>
-        <a:noFill/>
+        <a:solidFill>
+          <a:schemeClr val="lt1">
+            <a:lumMod val="95000"/>
+            <a:alpha val="39000"/>
+          </a:schemeClr>
+        </a:solidFill>
         <a:ln>
           <a:noFill/>
         </a:ln>
@@ -514,10 +645,7 @@
           <a:pPr>
             <a:defRPr sz="1197" b="0" i="0" u="none" strike="noStrike" kern="1200" baseline="0">
               <a:solidFill>
-                <a:schemeClr val="tx1">
-                  <a:lumMod val="65000"/>
-                  <a:lumOff val="35000"/>
-                </a:schemeClr>
+                <a:schemeClr val="tx1"/>
               </a:solidFill>
               <a:latin typeface="+mn-lt"/>
               <a:ea typeface="+mn-ea"/>
@@ -534,8 +662,14 @@
   </c:chart>
   <c:spPr>
     <a:noFill/>
-    <a:ln>
-      <a:noFill/>
+    <a:ln w="9525" cap="flat" cmpd="sng" algn="ctr">
+      <a:solidFill>
+        <a:schemeClr val="dk1">
+          <a:lumMod val="25000"/>
+          <a:lumOff val="75000"/>
+        </a:schemeClr>
+      </a:solidFill>
+      <a:round/>
     </a:ln>
     <a:effectLst/>
   </c:spPr>
@@ -593,58 +727,74 @@
 </file>
 
 <file path=ppt/charts/style1.xml><?xml version="1.0" encoding="utf-8"?>
-<cs:chartStyle xmlns:cs="http://schemas.microsoft.com/office/drawing/2012/chartStyle" xmlns:a="http://schemas.openxmlformats.org/drawingml/2006/main" id="341">
+<cs:chartStyle xmlns:cs="http://schemas.microsoft.com/office/drawing/2012/chartStyle" xmlns:a="http://schemas.openxmlformats.org/drawingml/2006/main" id="218">
   <cs:axisTitle>
     <cs:lnRef idx="0"/>
     <cs:fillRef idx="0"/>
     <cs:effectRef idx="0"/>
     <cs:fontRef idx="minor">
-      <a:schemeClr val="tx1">
-        <a:lumMod val="65000"/>
-        <a:lumOff val="35000"/>
+      <a:schemeClr val="dk1">
+        <a:lumMod val="75000"/>
+        <a:lumOff val="25000"/>
       </a:schemeClr>
     </cs:fontRef>
-    <cs:defRPr sz="1197" kern="1200"/>
+    <cs:defRPr sz="1197" b="1" kern="1200"/>
   </cs:axisTitle>
   <cs:categoryAxis>
     <cs:lnRef idx="0"/>
     <cs:fillRef idx="0"/>
     <cs:effectRef idx="0"/>
     <cs:fontRef idx="minor">
-      <a:schemeClr val="tx1">
-        <a:lumMod val="65000"/>
-        <a:lumOff val="35000"/>
+      <a:schemeClr val="dk1">
+        <a:lumMod val="75000"/>
+        <a:lumOff val="25000"/>
       </a:schemeClr>
     </cs:fontRef>
     <cs:spPr>
-      <a:ln w="12700" cap="flat" cmpd="sng" algn="ctr">
+      <a:ln w="19050" cap="flat" cmpd="sng" algn="ctr">
         <a:solidFill>
-          <a:schemeClr val="tx1">
-            <a:lumMod val="15000"/>
-            <a:lumOff val="85000"/>
+          <a:schemeClr val="dk1">
+            <a:lumMod val="75000"/>
+            <a:lumOff val="25000"/>
           </a:schemeClr>
         </a:solidFill>
         <a:round/>
       </a:ln>
     </cs:spPr>
-    <cs:defRPr sz="1197" kern="1200"/>
+    <cs:defRPr sz="1197" kern="1200" cap="all" baseline="0"/>
   </cs:categoryAxis>
-  <cs:chartArea mods="allowNoFillOverride allowNoLineOverride">
+  <cs:chartArea>
     <cs:lnRef idx="0"/>
     <cs:fillRef idx="0"/>
     <cs:effectRef idx="0"/>
     <cs:fontRef idx="minor">
-      <a:schemeClr val="tx2"/>
+      <a:schemeClr val="dk1"/>
     </cs:fontRef>
     <cs:spPr>
-      <a:solidFill>
-        <a:schemeClr val="bg1"/>
-      </a:solidFill>
+      <a:gradFill flip="none" rotWithShape="1">
+        <a:gsLst>
+          <a:gs pos="0">
+            <a:schemeClr val="lt1"/>
+          </a:gs>
+          <a:gs pos="39000">
+            <a:schemeClr val="lt1"/>
+          </a:gs>
+          <a:gs pos="100000">
+            <a:schemeClr val="lt1">
+              <a:lumMod val="75000"/>
+            </a:schemeClr>
+          </a:gs>
+        </a:gsLst>
+        <a:path path="circle">
+          <a:fillToRect l="50000" t="-80000" r="50000" b="180000"/>
+        </a:path>
+        <a:tileRect/>
+      </a:gradFill>
       <a:ln w="9525" cap="flat" cmpd="sng" algn="ctr">
         <a:solidFill>
-          <a:schemeClr val="tx1">
-            <a:lumMod val="15000"/>
-            <a:lumOff val="85000"/>
+          <a:schemeClr val="dk1">
+            <a:lumMod val="25000"/>
+            <a:lumOff val="75000"/>
           </a:schemeClr>
         </a:solidFill>
         <a:round/>
@@ -657,108 +807,127 @@
     <cs:fillRef idx="0"/>
     <cs:effectRef idx="0"/>
     <cs:fontRef idx="minor">
-      <a:schemeClr val="tx1">
-        <a:lumMod val="75000"/>
-        <a:lumOff val="25000"/>
-      </a:schemeClr>
+      <a:schemeClr val="lt1"/>
     </cs:fontRef>
-    <cs:defRPr sz="1197" kern="1200"/>
+    <cs:defRPr sz="1197" b="1" i="0" u="none" strike="noStrike" kern="1200" baseline="0"/>
   </cs:dataLabel>
   <cs:dataLabelCallout>
     <cs:lnRef idx="0"/>
     <cs:fillRef idx="0"/>
     <cs:effectRef idx="0"/>
     <cs:fontRef idx="minor">
-      <a:schemeClr val="dk1">
-        <a:lumMod val="65000"/>
-        <a:lumOff val="35000"/>
-      </a:schemeClr>
+      <a:schemeClr val="lt1"/>
     </cs:fontRef>
     <cs:spPr>
       <a:solidFill>
-        <a:schemeClr val="lt1"/>
+        <a:schemeClr val="dk1">
+          <a:lumMod val="65000"/>
+          <a:lumOff val="35000"/>
+          <a:alpha val="75000"/>
+        </a:schemeClr>
       </a:solidFill>
-      <a:ln>
-        <a:solidFill>
-          <a:schemeClr val="dk1">
-            <a:lumMod val="25000"/>
-            <a:lumOff val="75000"/>
-          </a:schemeClr>
-        </a:solidFill>
-      </a:ln>
     </cs:spPr>
-    <cs:defRPr sz="1197" kern="1200"/>
+    <cs:defRPr sz="1197" b="1" kern="1200"/>
     <cs:bodyPr rot="0" spcFirstLastPara="1" vertOverflow="clip" horzOverflow="clip" vert="horz" wrap="square" lIns="36576" tIns="18288" rIns="36576" bIns="18288" anchor="ctr" anchorCtr="1">
       <a:spAutoFit/>
     </cs:bodyPr>
   </cs:dataLabelCallout>
   <cs:dataPoint>
     <cs:lnRef idx="0"/>
-    <cs:fillRef idx="3">
+    <cs:fillRef idx="0">
       <cs:styleClr val="auto"/>
     </cs:fillRef>
-    <cs:effectRef idx="3"/>
+    <cs:effectRef idx="0"/>
     <cs:fontRef idx="minor">
-      <a:schemeClr val="tx1"/>
+      <a:schemeClr val="dk1"/>
     </cs:fontRef>
+    <cs:spPr>
+      <a:solidFill>
+        <a:schemeClr val="phClr">
+          <a:alpha val="85000"/>
+        </a:schemeClr>
+      </a:solidFill>
+      <a:ln w="9525" cap="flat" cmpd="sng" algn="ctr">
+        <a:solidFill>
+          <a:schemeClr val="lt1">
+            <a:alpha val="50000"/>
+          </a:schemeClr>
+        </a:solidFill>
+        <a:round/>
+      </a:ln>
+    </cs:spPr>
   </cs:dataPoint>
   <cs:dataPoint3D>
     <cs:lnRef idx="0"/>
-    <cs:fillRef idx="3">
+    <cs:fillRef idx="0">
       <cs:styleClr val="auto"/>
     </cs:fillRef>
-    <cs:effectRef idx="3"/>
+    <cs:effectRef idx="0"/>
     <cs:fontRef idx="minor">
-      <a:schemeClr val="tx1"/>
+      <a:schemeClr val="dk1"/>
     </cs:fontRef>
+    <cs:spPr>
+      <a:solidFill>
+        <a:schemeClr val="phClr">
+          <a:alpha val="85000"/>
+        </a:schemeClr>
+      </a:solidFill>
+      <a:ln w="9525" cap="flat" cmpd="sng" algn="ctr">
+        <a:solidFill>
+          <a:schemeClr val="lt1">
+            <a:alpha val="50000"/>
+          </a:schemeClr>
+        </a:solidFill>
+        <a:round/>
+      </a:ln>
+    </cs:spPr>
   </cs:dataPoint3D>
   <cs:dataPointLine>
     <cs:lnRef idx="0">
       <cs:styleClr val="auto"/>
     </cs:lnRef>
-    <cs:fillRef idx="3"/>
-    <cs:effectRef idx="3"/>
+    <cs:fillRef idx="0"/>
+    <cs:effectRef idx="0"/>
     <cs:fontRef idx="minor">
-      <a:schemeClr val="tx1"/>
+      <a:schemeClr val="dk1"/>
     </cs:fontRef>
     <cs:spPr>
-      <a:ln w="34925" cap="rnd">
+      <a:ln w="31750" cap="rnd">
         <a:solidFill>
-          <a:schemeClr val="phClr"/>
+          <a:schemeClr val="phClr">
+            <a:alpha val="85000"/>
+          </a:schemeClr>
         </a:solidFill>
         <a:round/>
       </a:ln>
     </cs:spPr>
   </cs:dataPointLine>
   <cs:dataPointMarker>
-    <cs:lnRef idx="0">
-      <cs:styleClr val="auto"/>
-    </cs:lnRef>
-    <cs:fillRef idx="3">
+    <cs:lnRef idx="0"/>
+    <cs:fillRef idx="0">
       <cs:styleClr val="auto"/>
     </cs:fillRef>
-    <cs:effectRef idx="3"/>
+    <cs:effectRef idx="0"/>
     <cs:fontRef idx="minor">
-      <a:schemeClr val="tx1"/>
+      <a:schemeClr val="dk1"/>
     </cs:fontRef>
     <cs:spPr>
-      <a:ln w="9525">
-        <a:solidFill>
-          <a:schemeClr val="phClr"/>
-        </a:solidFill>
-        <a:round/>
-      </a:ln>
+      <a:solidFill>
+        <a:schemeClr val="phClr">
+          <a:alpha val="85000"/>
+        </a:schemeClr>
+      </a:solidFill>
     </cs:spPr>
   </cs:dataPointMarker>
-  <cs:dataPointMarkerLayout size="5"/>
+  <cs:dataPointMarkerLayout symbol="circle" size="6"/>
   <cs:dataPointWireframe>
     <cs:lnRef idx="0">
       <cs:styleClr val="auto"/>
     </cs:lnRef>
-    <cs:fillRef idx="3"/>
-    <cs:effectRef idx="3"/>
+    <cs:fillRef idx="0"/>
+    <cs:effectRef idx="0"/>
     <cs:fontRef idx="minor">
-      <a:schemeClr val="tx1"/>
+      <a:schemeClr val="dk1"/>
     </cs:fontRef>
     <cs:spPr>
       <a:ln w="9525" cap="rnd">
@@ -774,21 +943,19 @@
     <cs:fillRef idx="0"/>
     <cs:effectRef idx="0"/>
     <cs:fontRef idx="minor">
-      <a:schemeClr val="tx1">
-        <a:lumMod val="65000"/>
-        <a:lumOff val="35000"/>
+      <a:schemeClr val="dk1">
+        <a:lumMod val="75000"/>
+        <a:lumOff val="25000"/>
       </a:schemeClr>
     </cs:fontRef>
     <cs:spPr>
-      <a:noFill/>
-      <a:ln w="9525" cap="flat" cmpd="sng" algn="ctr">
+      <a:ln w="9525">
         <a:solidFill>
-          <a:schemeClr val="tx1">
-            <a:lumMod val="15000"/>
-            <a:lumOff val="85000"/>
+          <a:schemeClr val="dk1">
+            <a:lumMod val="35000"/>
+            <a:lumOff val="65000"/>
           </a:schemeClr>
         </a:solidFill>
-        <a:round/>
       </a:ln>
     </cs:spPr>
     <cs:defRPr sz="1197" kern="1200"/>
@@ -803,13 +970,13 @@
     <cs:spPr>
       <a:solidFill>
         <a:schemeClr val="dk1">
-          <a:lumMod val="65000"/>
-          <a:lumOff val="35000"/>
+          <a:lumMod val="50000"/>
+          <a:lumOff val="50000"/>
         </a:schemeClr>
       </a:solidFill>
       <a:ln w="9525">
         <a:solidFill>
-          <a:schemeClr val="tx1">
+          <a:schemeClr val="dk1">
             <a:lumMod val="65000"/>
             <a:lumOff val="35000"/>
           </a:schemeClr>
@@ -822,17 +989,17 @@
     <cs:fillRef idx="0"/>
     <cs:effectRef idx="0"/>
     <cs:fontRef idx="minor">
-      <a:schemeClr val="tx1"/>
+      <a:schemeClr val="dk1"/>
     </cs:fontRef>
     <cs:spPr>
-      <a:ln w="9525" cap="flat" cmpd="sng" algn="ctr">
+      <a:ln w="9525">
         <a:solidFill>
-          <a:schemeClr val="tx1">
+          <a:schemeClr val="dk1">
             <a:lumMod val="35000"/>
             <a:lumOff val="65000"/>
           </a:schemeClr>
         </a:solidFill>
-        <a:round/>
+        <a:prstDash val="dash"/>
       </a:ln>
     </cs:spPr>
   </cs:dropLine>
@@ -841,12 +1008,12 @@
     <cs:fillRef idx="0"/>
     <cs:effectRef idx="0"/>
     <cs:fontRef idx="minor">
-      <a:schemeClr val="tx1"/>
+      <a:schemeClr val="dk1"/>
     </cs:fontRef>
     <cs:spPr>
-      <a:ln w="9525" cap="flat" cmpd="sng" algn="ctr">
+      <a:ln w="9525">
         <a:solidFill>
-          <a:schemeClr val="tx1">
+          <a:schemeClr val="dk1">
             <a:lumMod val="65000"/>
             <a:lumOff val="35000"/>
           </a:schemeClr>
@@ -860,7 +1027,7 @@
     <cs:fillRef idx="0"/>
     <cs:effectRef idx="0"/>
     <cs:fontRef idx="minor">
-      <a:schemeClr val="lt1"/>
+      <a:schemeClr val="dk1"/>
     </cs:fontRef>
   </cs:floor>
   <cs:gridlineMajor>
@@ -868,16 +1035,28 @@
     <cs:fillRef idx="0"/>
     <cs:effectRef idx="0"/>
     <cs:fontRef idx="minor">
-      <a:schemeClr val="tx1"/>
+      <a:schemeClr val="dk1"/>
     </cs:fontRef>
     <cs:spPr>
       <a:ln w="9525" cap="flat" cmpd="sng" algn="ctr">
-        <a:solidFill>
-          <a:schemeClr val="tx1">
-            <a:lumMod val="15000"/>
-            <a:lumOff val="85000"/>
-          </a:schemeClr>
-        </a:solidFill>
+        <a:gradFill>
+          <a:gsLst>
+            <a:gs pos="100000">
+              <a:schemeClr val="dk1">
+                <a:lumMod val="95000"/>
+                <a:lumOff val="5000"/>
+                <a:alpha val="42000"/>
+              </a:schemeClr>
+            </a:gs>
+            <a:gs pos="0">
+              <a:schemeClr val="lt1">
+                <a:lumMod val="75000"/>
+                <a:alpha val="36000"/>
+              </a:schemeClr>
+            </a:gs>
+          </a:gsLst>
+          <a:lin ang="5400000" scaled="0"/>
+        </a:gradFill>
         <a:round/>
       </a:ln>
     </cs:spPr>
@@ -887,17 +1066,28 @@
     <cs:fillRef idx="0"/>
     <cs:effectRef idx="0"/>
     <cs:fontRef idx="minor">
-      <a:schemeClr val="tx1"/>
+      <a:schemeClr val="dk1"/>
     </cs:fontRef>
     <cs:spPr>
-      <a:ln w="9525" cap="flat" cmpd="sng" algn="ctr">
-        <a:solidFill>
-          <a:schemeClr val="tx1">
-            <a:lumMod val="5000"/>
-            <a:lumOff val="95000"/>
-          </a:schemeClr>
-        </a:solidFill>
-        <a:round/>
+      <a:ln>
+        <a:gradFill>
+          <a:gsLst>
+            <a:gs pos="100000">
+              <a:schemeClr val="dk1">
+                <a:lumMod val="95000"/>
+                <a:lumOff val="5000"/>
+                <a:alpha val="42000"/>
+              </a:schemeClr>
+            </a:gs>
+            <a:gs pos="0">
+              <a:schemeClr val="lt1">
+                <a:lumMod val="75000"/>
+                <a:alpha val="36000"/>
+              </a:schemeClr>
+            </a:gs>
+          </a:gsLst>
+          <a:lin ang="5400000" scaled="0"/>
+        </a:gradFill>
       </a:ln>
     </cs:spPr>
   </cs:gridlineMinor>
@@ -906,17 +1096,17 @@
     <cs:fillRef idx="0"/>
     <cs:effectRef idx="0"/>
     <cs:fontRef idx="minor">
-      <a:schemeClr val="tx1"/>
+      <a:schemeClr val="dk1"/>
     </cs:fontRef>
     <cs:spPr>
-      <a:ln w="9525" cap="flat" cmpd="sng" algn="ctr">
+      <a:ln w="9525">
         <a:solidFill>
-          <a:schemeClr val="tx1">
-            <a:lumMod val="75000"/>
-            <a:lumOff val="25000"/>
+          <a:schemeClr val="dk1">
+            <a:lumMod val="35000"/>
+            <a:lumOff val="65000"/>
           </a:schemeClr>
         </a:solidFill>
-        <a:round/>
+        <a:prstDash val="dash"/>
       </a:ln>
     </cs:spPr>
   </cs:hiLoLine>
@@ -925,17 +1115,16 @@
     <cs:fillRef idx="0"/>
     <cs:effectRef idx="0"/>
     <cs:fontRef idx="minor">
-      <a:schemeClr val="tx1"/>
+      <a:schemeClr val="dk1"/>
     </cs:fontRef>
     <cs:spPr>
-      <a:ln w="9525" cap="flat" cmpd="sng" algn="ctr">
+      <a:ln w="9525">
         <a:solidFill>
-          <a:schemeClr val="tx1">
-            <a:lumMod val="35000"/>
-            <a:lumOff val="65000"/>
+          <a:schemeClr val="dk1">
+            <a:lumMod val="50000"/>
+            <a:lumOff val="50000"/>
           </a:schemeClr>
         </a:solidFill>
-        <a:round/>
       </a:ln>
     </cs:spPr>
   </cs:leaderLine>
@@ -944,11 +1133,19 @@
     <cs:fillRef idx="0"/>
     <cs:effectRef idx="0"/>
     <cs:fontRef idx="minor">
-      <a:schemeClr val="tx1">
-        <a:lumMod val="65000"/>
-        <a:lumOff val="35000"/>
+      <a:schemeClr val="dk1">
+        <a:lumMod val="75000"/>
+        <a:lumOff val="25000"/>
       </a:schemeClr>
     </cs:fontRef>
+    <cs:spPr>
+      <a:solidFill>
+        <a:schemeClr val="lt1">
+          <a:lumMod val="95000"/>
+          <a:alpha val="39000"/>
+        </a:schemeClr>
+      </a:solidFill>
+    </cs:spPr>
     <cs:defRPr sz="1197" kern="1200"/>
   </cs:legend>
   <cs:plotArea>
@@ -956,7 +1153,7 @@
     <cs:fillRef idx="0"/>
     <cs:effectRef idx="0"/>
     <cs:fontRef idx="minor">
-      <a:schemeClr val="lt1"/>
+      <a:schemeClr val="dk1"/>
     </cs:fontRef>
   </cs:plotArea>
   <cs:plotArea3D>
@@ -964,7 +1161,7 @@
     <cs:fillRef idx="0"/>
     <cs:effectRef idx="0"/>
     <cs:fontRef idx="minor">
-      <a:schemeClr val="lt1"/>
+      <a:schemeClr val="dk1"/>
     </cs:fontRef>
   </cs:plotArea3D>
   <cs:seriesAxis>
@@ -972,17 +1169,17 @@
     <cs:fillRef idx="0"/>
     <cs:effectRef idx="0"/>
     <cs:fontRef idx="minor">
-      <a:schemeClr val="tx1">
-        <a:lumMod val="65000"/>
-        <a:lumOff val="35000"/>
+      <a:schemeClr val="dk1">
+        <a:lumMod val="75000"/>
+        <a:lumOff val="25000"/>
       </a:schemeClr>
     </cs:fontRef>
     <cs:spPr>
-      <a:ln w="12700" cap="flat" cmpd="sng" algn="ctr">
+      <a:ln w="31750" cap="flat" cmpd="sng" algn="ctr">
         <a:solidFill>
-          <a:schemeClr val="tx1">
-            <a:lumMod val="15000"/>
-            <a:lumOff val="85000"/>
+          <a:schemeClr val="dk1">
+            <a:lumMod val="75000"/>
+            <a:lumOff val="25000"/>
           </a:schemeClr>
         </a:solidFill>
         <a:round/>
@@ -995,14 +1192,14 @@
     <cs:fillRef idx="0"/>
     <cs:effectRef idx="0"/>
     <cs:fontRef idx="minor">
-      <a:schemeClr val="tx1"/>
+      <a:schemeClr val="dk1"/>
     </cs:fontRef>
     <cs:spPr>
-      <a:ln w="9525" cap="flat" cmpd="sng" algn="ctr">
+      <a:ln w="9525">
         <a:solidFill>
-          <a:schemeClr val="tx1">
-            <a:lumMod val="35000"/>
-            <a:lumOff val="65000"/>
+          <a:schemeClr val="dk1">
+            <a:lumMod val="50000"/>
+            <a:lumOff val="50000"/>
           </a:schemeClr>
         </a:solidFill>
         <a:round/>
@@ -1014,12 +1211,12 @@
     <cs:fillRef idx="0"/>
     <cs:effectRef idx="0"/>
     <cs:fontRef idx="minor">
-      <a:schemeClr val="tx1">
-        <a:lumMod val="65000"/>
-        <a:lumOff val="35000"/>
+      <a:schemeClr val="dk1">
+        <a:lumMod val="75000"/>
+        <a:lumOff val="25000"/>
       </a:schemeClr>
     </cs:fontRef>
-    <cs:defRPr sz="2128" b="1" kern="1200" baseline="0"/>
+    <cs:defRPr sz="2200" b="1" kern="1200" baseline="0"/>
   </cs:title>
   <cs:trendline>
     <cs:lnRef idx="0">
@@ -1028,7 +1225,7 @@
     <cs:fillRef idx="0"/>
     <cs:effectRef idx="0"/>
     <cs:fontRef idx="minor">
-      <a:schemeClr val="lt1"/>
+      <a:schemeClr val="dk1"/>
     </cs:fontRef>
     <cs:spPr>
       <a:ln w="19050" cap="rnd">
@@ -1043,9 +1240,9 @@
     <cs:fillRef idx="0"/>
     <cs:effectRef idx="0"/>
     <cs:fontRef idx="minor">
-      <a:schemeClr val="tx1">
-        <a:lumMod val="65000"/>
-        <a:lumOff val="35000"/>
+      <a:schemeClr val="dk1">
+        <a:lumMod val="75000"/>
+        <a:lumOff val="25000"/>
       </a:schemeClr>
     </cs:fontRef>
     <cs:defRPr sz="1197" kern="1200"/>
@@ -1063,9 +1260,9 @@
       </a:solidFill>
       <a:ln w="9525">
         <a:solidFill>
-          <a:schemeClr val="tx1">
-            <a:lumMod val="15000"/>
-            <a:lumOff val="85000"/>
+          <a:schemeClr val="dk1">
+            <a:lumMod val="65000"/>
+            <a:lumOff val="35000"/>
           </a:schemeClr>
         </a:solidFill>
       </a:ln>
@@ -1076,11 +1273,16 @@
     <cs:fillRef idx="0"/>
     <cs:effectRef idx="0"/>
     <cs:fontRef idx="minor">
-      <a:schemeClr val="tx1">
-        <a:lumMod val="65000"/>
-        <a:lumOff val="35000"/>
+      <a:schemeClr val="dk1">
+        <a:lumMod val="75000"/>
+        <a:lumOff val="25000"/>
       </a:schemeClr>
     </cs:fontRef>
+    <cs:spPr>
+      <a:ln>
+        <a:noFill/>
+      </a:ln>
+    </cs:spPr>
     <cs:defRPr sz="1197" kern="1200"/>
   </cs:valueAxis>
   <cs:wall>
@@ -1088,7 +1290,7 @@
     <cs:fillRef idx="0"/>
     <cs:effectRef idx="0"/>
     <cs:fontRef idx="minor">
-      <a:schemeClr val="lt1"/>
+      <a:schemeClr val="dk1"/>
     </cs:fontRef>
   </cs:wall>
 </cs:chartStyle>
@@ -1176,7 +1378,7 @@
           <a:p>
             <a:fld id="{C6273984-9D82-4F6F-B509-7F24F2AF03A7}" type="datetimeFigureOut">
               <a:rPr lang="nl-NL" smtClean="0"/>
-              <a:t>25-5-2018</a:t>
+              <a:t>28-5-2018</a:t>
             </a:fld>
             <a:endParaRPr lang="nl-NL"/>
           </a:p>
@@ -1977,7 +2179,7 @@
           <a:p>
             <a:fld id="{B2E4F3CE-5921-4ADD-9964-2DE7A47474AF}" type="datetimeFigureOut">
               <a:rPr lang="nl-NL" smtClean="0"/>
-              <a:t>25-5-2018</a:t>
+              <a:t>28-5-2018</a:t>
             </a:fld>
             <a:endParaRPr lang="nl-NL"/>
           </a:p>
@@ -2424,7 +2626,7 @@
           <a:p>
             <a:fld id="{B2E4F3CE-5921-4ADD-9964-2DE7A47474AF}" type="datetimeFigureOut">
               <a:rPr lang="nl-NL" smtClean="0"/>
-              <a:t>25-5-2018</a:t>
+              <a:t>28-5-2018</a:t>
             </a:fld>
             <a:endParaRPr lang="nl-NL"/>
           </a:p>
@@ -2623,7 +2825,7 @@
           <a:p>
             <a:fld id="{B2E4F3CE-5921-4ADD-9964-2DE7A47474AF}" type="datetimeFigureOut">
               <a:rPr lang="nl-NL" smtClean="0"/>
-              <a:t>25-5-2018</a:t>
+              <a:t>28-5-2018</a:t>
             </a:fld>
             <a:endParaRPr lang="nl-NL"/>
           </a:p>
@@ -2894,7 +3096,7 @@
           <a:p>
             <a:fld id="{B2E4F3CE-5921-4ADD-9964-2DE7A47474AF}" type="datetimeFigureOut">
               <a:rPr lang="nl-NL" smtClean="0"/>
-              <a:t>25-5-2018</a:t>
+              <a:t>28-5-2018</a:t>
             </a:fld>
             <a:endParaRPr lang="nl-NL"/>
           </a:p>
@@ -3329,7 +3531,7 @@
           <a:p>
             <a:fld id="{B2E4F3CE-5921-4ADD-9964-2DE7A47474AF}" type="datetimeFigureOut">
               <a:rPr lang="nl-NL" smtClean="0"/>
-              <a:t>25-5-2018</a:t>
+              <a:t>28-5-2018</a:t>
             </a:fld>
             <a:endParaRPr lang="nl-NL"/>
           </a:p>
@@ -3806,7 +4008,7 @@
           <a:p>
             <a:fld id="{B2E4F3CE-5921-4ADD-9964-2DE7A47474AF}" type="datetimeFigureOut">
               <a:rPr lang="nl-NL" smtClean="0"/>
-              <a:t>25-5-2018</a:t>
+              <a:t>28-5-2018</a:t>
             </a:fld>
             <a:endParaRPr lang="nl-NL"/>
           </a:p>
@@ -3924,7 +4126,7 @@
           <a:p>
             <a:fld id="{B2E4F3CE-5921-4ADD-9964-2DE7A47474AF}" type="datetimeFigureOut">
               <a:rPr lang="nl-NL" smtClean="0"/>
-              <a:t>25-5-2018</a:t>
+              <a:t>28-5-2018</a:t>
             </a:fld>
             <a:endParaRPr lang="nl-NL"/>
           </a:p>
@@ -4019,7 +4221,7 @@
           <a:p>
             <a:fld id="{B2E4F3CE-5921-4ADD-9964-2DE7A47474AF}" type="datetimeFigureOut">
               <a:rPr lang="nl-NL" smtClean="0"/>
-              <a:t>25-5-2018</a:t>
+              <a:t>28-5-2018</a:t>
             </a:fld>
             <a:endParaRPr lang="nl-NL"/>
           </a:p>
@@ -4194,7 +4396,7 @@
           <a:p>
             <a:fld id="{B2E4F3CE-5921-4ADD-9964-2DE7A47474AF}" type="datetimeFigureOut">
               <a:rPr lang="nl-NL" smtClean="0"/>
-              <a:t>25-5-2018</a:t>
+              <a:t>28-5-2018</a:t>
             </a:fld>
             <a:endParaRPr lang="nl-NL"/>
           </a:p>
@@ -4374,7 +4576,7 @@
           <a:p>
             <a:fld id="{B2E4F3CE-5921-4ADD-9964-2DE7A47474AF}" type="datetimeFigureOut">
               <a:rPr lang="nl-NL" smtClean="0"/>
-              <a:t>25-5-2018</a:t>
+              <a:t>28-5-2018</a:t>
             </a:fld>
             <a:endParaRPr lang="nl-NL"/>
           </a:p>
@@ -4584,7 +4786,7 @@
           <a:p>
             <a:fld id="{B2E4F3CE-5921-4ADD-9964-2DE7A47474AF}" type="datetimeFigureOut">
               <a:rPr lang="nl-NL" smtClean="0"/>
-              <a:t>25-5-2018</a:t>
+              <a:t>28-5-2018</a:t>
             </a:fld>
             <a:endParaRPr lang="nl-NL"/>
           </a:p>
@@ -5868,14 +6070,14 @@
             <p:ph idx="1"/>
             <p:extLst>
               <p:ext uri="{D42A27DB-BD31-4B8C-83A1-F6EECF244321}">
-                <p14:modId xmlns:p14="http://schemas.microsoft.com/office/powerpoint/2010/main" val="1871838887"/>
+                <p14:modId xmlns:p14="http://schemas.microsoft.com/office/powerpoint/2010/main" val="790645763"/>
               </p:ext>
             </p:extLst>
           </p:nvPr>
         </p:nvGraphicFramePr>
         <p:xfrm>
-          <a:off x="1243012" y="1700014"/>
-          <a:ext cx="10272713" cy="4460875"/>
+          <a:off x="1243012" y="1555531"/>
+          <a:ext cx="10272713" cy="4908331"/>
         </p:xfrm>
         <a:graphic>
           <a:graphicData uri="http://schemas.openxmlformats.org/drawingml/2006/chart">

--- a/Presentaties/Eindpresentatie .pptx
+++ b/Presentaties/Eindpresentatie .pptx
@@ -5,26 +5,27 @@
     <p:sldMasterId id="2147483660" r:id="rId1"/>
   </p:sldMasterIdLst>
   <p:notesMasterIdLst>
-    <p:notesMasterId r:id="rId19"/>
+    <p:notesMasterId r:id="rId20"/>
   </p:notesMasterIdLst>
   <p:sldIdLst>
     <p:sldId id="257" r:id="rId2"/>
     <p:sldId id="266" r:id="rId3"/>
-    <p:sldId id="265" r:id="rId4"/>
-    <p:sldId id="258" r:id="rId5"/>
-    <p:sldId id="259" r:id="rId6"/>
-    <p:sldId id="267" r:id="rId7"/>
-    <p:sldId id="260" r:id="rId8"/>
-    <p:sldId id="271" r:id="rId9"/>
-    <p:sldId id="268" r:id="rId10"/>
-    <p:sldId id="270" r:id="rId11"/>
-    <p:sldId id="273" r:id="rId12"/>
-    <p:sldId id="272" r:id="rId13"/>
-    <p:sldId id="263" r:id="rId14"/>
-    <p:sldId id="274" r:id="rId15"/>
-    <p:sldId id="275" r:id="rId16"/>
-    <p:sldId id="276" r:id="rId17"/>
-    <p:sldId id="277" r:id="rId18"/>
+    <p:sldId id="278" r:id="rId4"/>
+    <p:sldId id="265" r:id="rId5"/>
+    <p:sldId id="258" r:id="rId6"/>
+    <p:sldId id="259" r:id="rId7"/>
+    <p:sldId id="267" r:id="rId8"/>
+    <p:sldId id="260" r:id="rId9"/>
+    <p:sldId id="271" r:id="rId10"/>
+    <p:sldId id="268" r:id="rId11"/>
+    <p:sldId id="270" r:id="rId12"/>
+    <p:sldId id="273" r:id="rId13"/>
+    <p:sldId id="272" r:id="rId14"/>
+    <p:sldId id="263" r:id="rId15"/>
+    <p:sldId id="274" r:id="rId16"/>
+    <p:sldId id="275" r:id="rId17"/>
+    <p:sldId id="276" r:id="rId18"/>
+    <p:sldId id="277" r:id="rId19"/>
   </p:sldIdLst>
   <p:sldSz cx="12192000" cy="6858000"/>
   <p:notesSz cx="6858000" cy="9144000"/>
@@ -125,7 +126,7 @@
   </p:defaultTextStyle>
   <p:extLst>
     <p:ext uri="{EFAFB233-063F-42B5-8137-9DF3F51BA10A}">
-      <p15:sldGuideLst xmlns:p15="http://schemas.microsoft.com/office/powerpoint/2012/main">
+      <p15:sldGuideLst xmlns:p15="http://schemas.microsoft.com/office/powerpoint/2012/main" xmlns="">
         <p15:guide id="1" orient="horz" pos="2160">
           <p15:clr>
             <a:srgbClr val="A4A3A4"/>
@@ -143,7 +144,7 @@
 </file>
 
 <file path=ppt/charts/chart1.xml><?xml version="1.0" encoding="utf-8"?>
-<c:chartSpace xmlns:c="http://schemas.openxmlformats.org/drawingml/2006/chart" xmlns:a="http://schemas.openxmlformats.org/drawingml/2006/main" xmlns:r="http://schemas.openxmlformats.org/officeDocument/2006/relationships" xmlns:c16r2="http://schemas.microsoft.com/office/drawing/2015/06/chart">
+<c:chartSpace xmlns:c="http://schemas.openxmlformats.org/drawingml/2006/chart" xmlns:a="http://schemas.openxmlformats.org/drawingml/2006/main" xmlns:r="http://schemas.openxmlformats.org/officeDocument/2006/relationships">
   <c:date1904 val="0"/>
   <c:lang val="en-US"/>
   <c:roundedCorners val="0"/>
@@ -157,6 +158,7 @@
   </mc:AlternateContent>
   <c:chart>
     <c:title>
+      <c:layout/>
       <c:overlay val="0"/>
       <c:spPr>
         <a:noFill/>
@@ -182,7 +184,7 @@
               <a:cs typeface="+mn-cs"/>
             </a:defRPr>
           </a:pPr>
-          <a:endParaRPr lang="nl-NL"/>
+          <a:endParaRPr lang="en-US"/>
         </a:p>
       </c:txPr>
     </c:title>
@@ -278,7 +280,7 @@
                     <a:cs typeface="+mn-cs"/>
                   </a:defRPr>
                 </a:pPr>
-                <a:endParaRPr lang="nl-NL"/>
+                <a:endParaRPr lang="en-US"/>
               </a:p>
             </c:txPr>
             <c:dLblPos val="inEnd"/>
@@ -289,7 +291,7 @@
             <c:showPercent val="0"/>
             <c:showBubbleSize val="0"/>
             <c:showLeaderLines val="0"/>
-            <c:extLst>
+            <c:extLst xmlns:c16r2="http://schemas.microsoft.com/office/drawing/2015/06/chart">
               <c:ext xmlns:c15="http://schemas.microsoft.com/office/drawing/2012/chart" uri="{CE6537A1-D6FC-4f65-9D91-7224C49458BB}">
                 <c15:showLeaderLines val="1"/>
                 <c15:leaderLines>
@@ -342,27 +344,27 @@
                 <c:formatCode>General</c:formatCode>
                 <c:ptCount val="6"/>
                 <c:pt idx="0">
-                  <c:v>-352</c:v>
+                  <c:v>-352.0</c:v>
                 </c:pt>
                 <c:pt idx="1">
-                  <c:v>1576</c:v>
+                  <c:v>1576.0</c:v>
                 </c:pt>
                 <c:pt idx="2">
-                  <c:v>1630</c:v>
+                  <c:v>1630.0</c:v>
                 </c:pt>
                 <c:pt idx="3">
-                  <c:v>1110</c:v>
+                  <c:v>1110.0</c:v>
                 </c:pt>
                 <c:pt idx="4">
-                  <c:v>-45</c:v>
+                  <c:v>-45.0</c:v>
                 </c:pt>
                 <c:pt idx="5">
-                  <c:v>0</c:v>
+                  <c:v>0.0</c:v>
                 </c:pt>
               </c:numCache>
             </c:numRef>
           </c:val>
-          <c:extLst>
+          <c:extLst xmlns:c16r2="http://schemas.microsoft.com/office/drawing/2015/06/chart">
             <c:ext xmlns:c16="http://schemas.microsoft.com/office/drawing/2014/chart" uri="{C3380CC4-5D6E-409C-BE32-E72D297353CC}">
               <c16:uniqueId val="{00000000-7DDA-41C7-B94E-82F5F85B22BC}"/>
             </c:ext>
@@ -379,11 +381,11 @@
         </c:dLbls>
         <c:gapWidth val="115"/>
         <c:overlap val="-20"/>
-        <c:axId val="524861440"/>
-        <c:axId val="524859480"/>
+        <c:axId val="2120526936"/>
+        <c:axId val="2120527752"/>
       </c:barChart>
       <c:catAx>
-        <c:axId val="524861440"/>
+        <c:axId val="2120526936"/>
         <c:scaling>
           <c:orientation val="minMax"/>
         </c:scaling>
@@ -423,10 +425,10 @@
                 <a:cs typeface="+mn-cs"/>
               </a:defRPr>
             </a:pPr>
-            <a:endParaRPr lang="nl-NL"/>
+            <a:endParaRPr lang="en-US"/>
           </a:p>
         </c:txPr>
-        <c:crossAx val="524859480"/>
+        <c:crossAx val="2120527752"/>
         <c:crosses val="autoZero"/>
         <c:auto val="1"/>
         <c:lblAlgn val="ctr"/>
@@ -434,7 +436,7 @@
         <c:noMultiLvlLbl val="0"/>
       </c:catAx>
       <c:valAx>
-        <c:axId val="524859480"/>
+        <c:axId val="2120527752"/>
         <c:scaling>
           <c:orientation val="minMax"/>
         </c:scaling>
@@ -482,10 +484,10 @@
                 <a:cs typeface="+mn-cs"/>
               </a:defRPr>
             </a:pPr>
-            <a:endParaRPr lang="nl-NL"/>
+            <a:endParaRPr lang="en-US"/>
           </a:p>
         </c:txPr>
-        <c:crossAx val="524861440"/>
+        <c:crossAx val="2120526936"/>
         <c:crosses val="autoZero"/>
         <c:crossBetween val="between"/>
       </c:valAx>
@@ -499,6 +501,7 @@
     </c:plotArea>
     <c:legend>
       <c:legendPos val="b"/>
+      <c:layout/>
       <c:overlay val="0"/>
       <c:spPr>
         <a:noFill/>
@@ -524,7 +527,7 @@
               <a:cs typeface="+mn-cs"/>
             </a:defRPr>
           </a:pPr>
-          <a:endParaRPr lang="nl-NL"/>
+          <a:endParaRPr lang="en-US"/>
         </a:p>
       </c:txPr>
     </c:legend>
@@ -546,10 +549,10 @@
       <a:pPr>
         <a:defRPr/>
       </a:pPr>
-      <a:endParaRPr lang="nl-NL"/>
+      <a:endParaRPr lang="en-US"/>
     </a:p>
   </c:txPr>
-  <c:externalData r:id="rId3">
+  <c:externalData r:id="rId1">
     <c:autoUpdate val="0"/>
   </c:externalData>
 </c:chartSpace>
@@ -1176,7 +1179,7 @@
           <a:p>
             <a:fld id="{C6273984-9D82-4F6F-B509-7F24F2AF03A7}" type="datetimeFigureOut">
               <a:rPr lang="nl-NL" smtClean="0"/>
-              <a:t>25-5-2018</a:t>
+              <a:t>28/05/18</a:t>
             </a:fld>
             <a:endParaRPr lang="nl-NL"/>
           </a:p>
@@ -1617,14 +1620,52 @@
           <a:bodyPr/>
           <a:lstStyle/>
           <a:p>
+            <a:pPr marL="0" marR="0" lvl="0" indent="0" algn="l" defTabSz="914400" rtl="0" eaLnBrk="1" fontAlgn="auto" latinLnBrk="0" hangingPunct="1">
+              <a:lnSpc>
+                <a:spcPct val="100000"/>
+              </a:lnSpc>
+              <a:spcBef>
+                <a:spcPts val="0"/>
+              </a:spcBef>
+              <a:spcAft>
+                <a:spcPts val="0"/>
+              </a:spcAft>
+              <a:buClrTx/>
+              <a:buSzTx/>
+              <a:buFontTx/>
+              <a:buNone/>
+              <a:tabLst/>
+              <a:defRPr/>
+            </a:pPr>
             <a:r>
               <a:rPr lang="nl-NL" dirty="0"/>
-              <a:t>Studenten kunnen nog wisselen binnen werkgroepen</a:t>
-            </a:r>
-            <a:r>
-              <a:rPr lang="nl-NL" baseline="0" dirty="0"/>
-              <a:t> waardoor de toestandsruimte groter wordt, maar wij gaan uit van een vaste indeling</a:t>
-            </a:r>
+              <a:t>COP</a:t>
+            </a:r>
+          </a:p>
+          <a:p>
+            <a:pPr marL="0" marR="0" lvl="0" indent="0" algn="l" defTabSz="914400" rtl="0" eaLnBrk="1" fontAlgn="auto" latinLnBrk="0" hangingPunct="1">
+              <a:lnSpc>
+                <a:spcPct val="100000"/>
+              </a:lnSpc>
+              <a:spcBef>
+                <a:spcPts val="0"/>
+              </a:spcBef>
+              <a:spcAft>
+                <a:spcPts val="0"/>
+              </a:spcAft>
+              <a:buClrTx/>
+              <a:buSzTx/>
+              <a:buFontTx/>
+              <a:buNone/>
+              <a:tabLst/>
+              <a:defRPr/>
+            </a:pPr>
+            <a:r>
+              <a:rPr lang="nl-NL" dirty="0"/>
+              <a:t>5 (dagen) * 7 (zalen) * 4 (tijdsloten) + 5 (avondsloten) </a:t>
+            </a:r>
+          </a:p>
+          <a:p>
             <a:endParaRPr lang="nl-NL" dirty="0"/>
           </a:p>
         </p:txBody>
@@ -1646,7 +1687,7 @@
           <a:p>
             <a:fld id="{EDD3F5BD-322A-47CF-BDF1-D478B1145106}" type="slidenum">
               <a:rPr lang="nl-NL" smtClean="0"/>
-              <a:t>6</a:t>
+              <a:t>3</a:t>
             </a:fld>
             <a:endParaRPr lang="nl-NL"/>
           </a:p>
@@ -1655,7 +1696,7 @@
     </p:spTree>
     <p:extLst>
       <p:ext uri="{BB962C8B-B14F-4D97-AF65-F5344CB8AC3E}">
-        <p14:creationId xmlns:p14="http://schemas.microsoft.com/office/powerpoint/2010/main" val="424183884"/>
+        <p14:creationId xmlns:p14="http://schemas.microsoft.com/office/powerpoint/2010/main" val="1696529785"/>
       </p:ext>
     </p:extLst>
   </p:cSld>
@@ -1709,6 +1750,98 @@
           <a:bodyPr/>
           <a:lstStyle/>
           <a:p>
+            <a:r>
+              <a:rPr lang="nl-NL" dirty="0"/>
+              <a:t>Studenten kunnen nog wisselen binnen werkgroepen</a:t>
+            </a:r>
+            <a:r>
+              <a:rPr lang="nl-NL" baseline="0" dirty="0"/>
+              <a:t> waardoor de toestandsruimte groter wordt, maar wij gaan uit van een vaste indeling</a:t>
+            </a:r>
+            <a:endParaRPr lang="nl-NL" dirty="0"/>
+          </a:p>
+        </p:txBody>
+      </p:sp>
+      <p:sp>
+        <p:nvSpPr>
+          <p:cNvPr id="4" name="Tijdelijke aanduiding voor dianummer 3"/>
+          <p:cNvSpPr>
+            <a:spLocks noGrp="1"/>
+          </p:cNvSpPr>
+          <p:nvPr>
+            <p:ph type="sldNum" sz="quarter" idx="10"/>
+          </p:nvPr>
+        </p:nvSpPr>
+        <p:spPr/>
+        <p:txBody>
+          <a:bodyPr/>
+          <a:lstStyle/>
+          <a:p>
+            <a:fld id="{EDD3F5BD-322A-47CF-BDF1-D478B1145106}" type="slidenum">
+              <a:rPr lang="nl-NL" smtClean="0"/>
+              <a:t>7</a:t>
+            </a:fld>
+            <a:endParaRPr lang="nl-NL"/>
+          </a:p>
+        </p:txBody>
+      </p:sp>
+    </p:spTree>
+    <p:extLst>
+      <p:ext uri="{BB962C8B-B14F-4D97-AF65-F5344CB8AC3E}">
+        <p14:creationId xmlns:p14="http://schemas.microsoft.com/office/powerpoint/2010/main" val="424183884"/>
+      </p:ext>
+    </p:extLst>
+  </p:cSld>
+  <p:clrMapOvr>
+    <a:masterClrMapping/>
+  </p:clrMapOvr>
+</p:notes>
+</file>
+
+<file path=ppt/notesSlides/notesSlide4.xml><?xml version="1.0" encoding="utf-8"?>
+<p:notes xmlns:a="http://schemas.openxmlformats.org/drawingml/2006/main" xmlns:r="http://schemas.openxmlformats.org/officeDocument/2006/relationships" xmlns:p="http://schemas.openxmlformats.org/presentationml/2006/main">
+  <p:cSld>
+    <p:spTree>
+      <p:nvGrpSpPr>
+        <p:cNvPr id="1" name=""/>
+        <p:cNvGrpSpPr/>
+        <p:nvPr/>
+      </p:nvGrpSpPr>
+      <p:grpSpPr>
+        <a:xfrm>
+          <a:off x="0" y="0"/>
+          <a:ext cx="0" cy="0"/>
+          <a:chOff x="0" y="0"/>
+          <a:chExt cx="0" cy="0"/>
+        </a:xfrm>
+      </p:grpSpPr>
+      <p:sp>
+        <p:nvSpPr>
+          <p:cNvPr id="2" name="Tijdelijke aanduiding voor dia-afbeelding 1"/>
+          <p:cNvSpPr>
+            <a:spLocks noGrp="1" noRot="1" noChangeAspect="1"/>
+          </p:cNvSpPr>
+          <p:nvPr>
+            <p:ph type="sldImg"/>
+          </p:nvPr>
+        </p:nvSpPr>
+        <p:spPr/>
+      </p:sp>
+      <p:sp>
+        <p:nvSpPr>
+          <p:cNvPr id="3" name="Tijdelijke aanduiding voor notities 2"/>
+          <p:cNvSpPr>
+            <a:spLocks noGrp="1"/>
+          </p:cNvSpPr>
+          <p:nvPr>
+            <p:ph type="body" idx="1"/>
+          </p:nvPr>
+        </p:nvSpPr>
+        <p:spPr/>
+        <p:txBody>
+          <a:bodyPr/>
+          <a:lstStyle/>
+          <a:p>
             <a:pPr marL="0" marR="0" lvl="0" indent="0" algn="l" defTabSz="914400" rtl="0" eaLnBrk="1" fontAlgn="auto" latinLnBrk="0" hangingPunct="1">
               <a:lnSpc>
                 <a:spcPct val="100000"/>
@@ -1798,7 +1931,7 @@
           <a:p>
             <a:fld id="{EDD3F5BD-322A-47CF-BDF1-D478B1145106}" type="slidenum">
               <a:rPr lang="nl-NL" smtClean="0"/>
-              <a:t>7</a:t>
+              <a:t>8</a:t>
             </a:fld>
             <a:endParaRPr lang="nl-NL"/>
           </a:p>
@@ -1977,7 +2110,7 @@
           <a:p>
             <a:fld id="{B2E4F3CE-5921-4ADD-9964-2DE7A47474AF}" type="datetimeFigureOut">
               <a:rPr lang="nl-NL" smtClean="0"/>
-              <a:t>25-5-2018</a:t>
+              <a:t>28/05/18</a:t>
             </a:fld>
             <a:endParaRPr lang="nl-NL"/>
           </a:p>
@@ -2185,7 +2318,7 @@
           <p:cNvPr id="10" name="Picture 9" descr="A group of people in a room&#10;&#10;Description generated with very high confidence">
             <a:extLst>
               <a:ext uri="{FF2B5EF4-FFF2-40B4-BE49-F238E27FC236}">
-                <a16:creationId xmlns:a16="http://schemas.microsoft.com/office/drawing/2014/main" id="{8A636BD5-65AA-4211-BE9A-C3728CA22021}"/>
+                <a16:creationId xmlns:a16="http://schemas.microsoft.com/office/drawing/2014/main" xmlns="" id="{8A636BD5-65AA-4211-BE9A-C3728CA22021}"/>
               </a:ext>
             </a:extLst>
           </p:cNvPr>
@@ -2226,7 +2359,7 @@
           <p:cNvPr id="12" name="Picture 11" descr="A group of people in a room&#10;&#10;Description generated with very high confidence">
             <a:extLst>
               <a:ext uri="{FF2B5EF4-FFF2-40B4-BE49-F238E27FC236}">
-                <a16:creationId xmlns:a16="http://schemas.microsoft.com/office/drawing/2014/main" id="{FCCAA0F4-9C7B-4984-8F70-FA270D007429}"/>
+                <a16:creationId xmlns:a16="http://schemas.microsoft.com/office/drawing/2014/main" xmlns="" id="{FCCAA0F4-9C7B-4984-8F70-FA270D007429}"/>
               </a:ext>
             </a:extLst>
           </p:cNvPr>
@@ -2297,7 +2430,7 @@
           <p:cNvPr id="2" name="Title 1">
             <a:extLst>
               <a:ext uri="{FF2B5EF4-FFF2-40B4-BE49-F238E27FC236}">
-                <a16:creationId xmlns:a16="http://schemas.microsoft.com/office/drawing/2014/main" id="{6FC13C6F-2E16-4E4C-84CC-D4DAFCB2700D}"/>
+                <a16:creationId xmlns:a16="http://schemas.microsoft.com/office/drawing/2014/main" xmlns="" id="{6FC13C6F-2E16-4E4C-84CC-D4DAFCB2700D}"/>
               </a:ext>
             </a:extLst>
           </p:cNvPr>
@@ -2335,7 +2468,7 @@
           <p:cNvPr id="3" name="Subtitle 2">
             <a:extLst>
               <a:ext uri="{FF2B5EF4-FFF2-40B4-BE49-F238E27FC236}">
-                <a16:creationId xmlns:a16="http://schemas.microsoft.com/office/drawing/2014/main" id="{453CFFDF-F98C-4C73-86C1-B63C7BFD4C39}"/>
+                <a16:creationId xmlns:a16="http://schemas.microsoft.com/office/drawing/2014/main" xmlns="" id="{453CFFDF-F98C-4C73-86C1-B63C7BFD4C39}"/>
               </a:ext>
             </a:extLst>
           </p:cNvPr>
@@ -2406,7 +2539,7 @@
           <p:cNvPr id="4" name="Date Placeholder 3">
             <a:extLst>
               <a:ext uri="{FF2B5EF4-FFF2-40B4-BE49-F238E27FC236}">
-                <a16:creationId xmlns:a16="http://schemas.microsoft.com/office/drawing/2014/main" id="{CFA081B8-BD76-443C-93F5-08182166D8D0}"/>
+                <a16:creationId xmlns:a16="http://schemas.microsoft.com/office/drawing/2014/main" xmlns="" id="{CFA081B8-BD76-443C-93F5-08182166D8D0}"/>
               </a:ext>
             </a:extLst>
           </p:cNvPr>
@@ -2424,7 +2557,7 @@
           <a:p>
             <a:fld id="{B2E4F3CE-5921-4ADD-9964-2DE7A47474AF}" type="datetimeFigureOut">
               <a:rPr lang="nl-NL" smtClean="0"/>
-              <a:t>25-5-2018</a:t>
+              <a:t>28/05/18</a:t>
             </a:fld>
             <a:endParaRPr lang="nl-NL"/>
           </a:p>
@@ -2435,7 +2568,7 @@
           <p:cNvPr id="5" name="Footer Placeholder 4">
             <a:extLst>
               <a:ext uri="{FF2B5EF4-FFF2-40B4-BE49-F238E27FC236}">
-                <a16:creationId xmlns:a16="http://schemas.microsoft.com/office/drawing/2014/main" id="{B372371A-431A-4C4A-B2D5-5DB4CE736915}"/>
+                <a16:creationId xmlns:a16="http://schemas.microsoft.com/office/drawing/2014/main" xmlns="" id="{B372371A-431A-4C4A-B2D5-5DB4CE736915}"/>
               </a:ext>
             </a:extLst>
           </p:cNvPr>
@@ -2460,7 +2593,7 @@
           <p:cNvPr id="6" name="Slide Number Placeholder 5">
             <a:extLst>
               <a:ext uri="{FF2B5EF4-FFF2-40B4-BE49-F238E27FC236}">
-                <a16:creationId xmlns:a16="http://schemas.microsoft.com/office/drawing/2014/main" id="{4440A448-9C23-42D3-B380-8BFAE71DF757}"/>
+                <a16:creationId xmlns:a16="http://schemas.microsoft.com/office/drawing/2014/main" xmlns="" id="{4440A448-9C23-42D3-B380-8BFAE71DF757}"/>
               </a:ext>
             </a:extLst>
           </p:cNvPr>
@@ -2623,7 +2756,7 @@
           <a:p>
             <a:fld id="{B2E4F3CE-5921-4ADD-9964-2DE7A47474AF}" type="datetimeFigureOut">
               <a:rPr lang="nl-NL" smtClean="0"/>
-              <a:t>25-5-2018</a:t>
+              <a:t>28/05/18</a:t>
             </a:fld>
             <a:endParaRPr lang="nl-NL"/>
           </a:p>
@@ -2894,7 +3027,7 @@
           <a:p>
             <a:fld id="{B2E4F3CE-5921-4ADD-9964-2DE7A47474AF}" type="datetimeFigureOut">
               <a:rPr lang="nl-NL" smtClean="0"/>
-              <a:t>25-5-2018</a:t>
+              <a:t>28/05/18</a:t>
             </a:fld>
             <a:endParaRPr lang="nl-NL"/>
           </a:p>
@@ -3029,7 +3162,7 @@
           <p:cNvPr id="9" name="Picture 8" descr="A group of people in a room&#10;&#10;Description generated with very high confidence">
             <a:extLst>
               <a:ext uri="{FF2B5EF4-FFF2-40B4-BE49-F238E27FC236}">
-                <a16:creationId xmlns:a16="http://schemas.microsoft.com/office/drawing/2014/main" id="{1100C0BB-10D3-488D-AF46-8E80E778FCC2}"/>
+                <a16:creationId xmlns:a16="http://schemas.microsoft.com/office/drawing/2014/main" xmlns="" id="{1100C0BB-10D3-488D-AF46-8E80E778FCC2}"/>
               </a:ext>
             </a:extLst>
           </p:cNvPr>
@@ -3329,7 +3462,7 @@
           <a:p>
             <a:fld id="{B2E4F3CE-5921-4ADD-9964-2DE7A47474AF}" type="datetimeFigureOut">
               <a:rPr lang="nl-NL" smtClean="0"/>
-              <a:t>25-5-2018</a:t>
+              <a:t>28/05/18</a:t>
             </a:fld>
             <a:endParaRPr lang="nl-NL"/>
           </a:p>
@@ -3806,7 +3939,7 @@
           <a:p>
             <a:fld id="{B2E4F3CE-5921-4ADD-9964-2DE7A47474AF}" type="datetimeFigureOut">
               <a:rPr lang="nl-NL" smtClean="0"/>
-              <a:t>25-5-2018</a:t>
+              <a:t>28/05/18</a:t>
             </a:fld>
             <a:endParaRPr lang="nl-NL"/>
           </a:p>
@@ -3924,7 +4057,7 @@
           <a:p>
             <a:fld id="{B2E4F3CE-5921-4ADD-9964-2DE7A47474AF}" type="datetimeFigureOut">
               <a:rPr lang="nl-NL" smtClean="0"/>
-              <a:t>25-5-2018</a:t>
+              <a:t>28/05/18</a:t>
             </a:fld>
             <a:endParaRPr lang="nl-NL"/>
           </a:p>
@@ -4019,7 +4152,7 @@
           <a:p>
             <a:fld id="{B2E4F3CE-5921-4ADD-9964-2DE7A47474AF}" type="datetimeFigureOut">
               <a:rPr lang="nl-NL" smtClean="0"/>
-              <a:t>25-5-2018</a:t>
+              <a:t>28/05/18</a:t>
             </a:fld>
             <a:endParaRPr lang="nl-NL"/>
           </a:p>
@@ -4194,7 +4327,7 @@
           <a:p>
             <a:fld id="{B2E4F3CE-5921-4ADD-9964-2DE7A47474AF}" type="datetimeFigureOut">
               <a:rPr lang="nl-NL" smtClean="0"/>
-              <a:t>25-5-2018</a:t>
+              <a:t>28/05/18</a:t>
             </a:fld>
             <a:endParaRPr lang="nl-NL"/>
           </a:p>
@@ -4374,7 +4507,7 @@
           <a:p>
             <a:fld id="{B2E4F3CE-5921-4ADD-9964-2DE7A47474AF}" type="datetimeFigureOut">
               <a:rPr lang="nl-NL" smtClean="0"/>
-              <a:t>25-5-2018</a:t>
+              <a:t>28/05/18</a:t>
             </a:fld>
             <a:endParaRPr lang="nl-NL"/>
           </a:p>
@@ -4584,7 +4717,7 @@
           <a:p>
             <a:fld id="{B2E4F3CE-5921-4ADD-9964-2DE7A47474AF}" type="datetimeFigureOut">
               <a:rPr lang="nl-NL" smtClean="0"/>
-              <a:t>25-5-2018</a:t>
+              <a:t>28/05/18</a:t>
             </a:fld>
             <a:endParaRPr lang="nl-NL"/>
           </a:p>
@@ -4707,7 +4840,7 @@
           <p:cNvPr id="8" name="Picture 7" descr="A group of people in a room&#10;&#10;Description generated with very high confidence">
             <a:extLst>
               <a:ext uri="{FF2B5EF4-FFF2-40B4-BE49-F238E27FC236}">
-                <a16:creationId xmlns:a16="http://schemas.microsoft.com/office/drawing/2014/main" id="{E8DF0BB6-DCAB-4E9C-8305-3C25099E8419}"/>
+                <a16:creationId xmlns:a16="http://schemas.microsoft.com/office/drawing/2014/main" xmlns="" id="{E8DF0BB6-DCAB-4E9C-8305-3C25099E8419}"/>
               </a:ext>
             </a:extLst>
           </p:cNvPr>
@@ -5072,7 +5205,7 @@
   </p:txStyles>
   <p:extLst mod="1">
     <p:ext uri="{27BBF7A9-308A-43DC-89C8-2F10F3537804}">
-      <p15:sldGuideLst xmlns:p15="http://schemas.microsoft.com/office/powerpoint/2012/main">
+      <p15:sldGuideLst xmlns:p15="http://schemas.microsoft.com/office/powerpoint/2012/main" xmlns="">
         <p15:guide id="3" orient="horz" pos="1368">
           <p15:clr>
             <a:srgbClr val="F26B43"/>
@@ -5141,7 +5274,7 @@
           <p:cNvPr id="2" name="Title 1">
             <a:extLst>
               <a:ext uri="{FF2B5EF4-FFF2-40B4-BE49-F238E27FC236}">
-                <a16:creationId xmlns:a16="http://schemas.microsoft.com/office/drawing/2014/main" id="{DFB35624-C45A-4417-8484-F487F43C3428}"/>
+                <a16:creationId xmlns:a16="http://schemas.microsoft.com/office/drawing/2014/main" xmlns="" id="{DFB35624-C45A-4417-8484-F487F43C3428}"/>
               </a:ext>
             </a:extLst>
           </p:cNvPr>
@@ -5169,7 +5302,7 @@
           <p:cNvPr id="3" name="Text Placeholder 2">
             <a:extLst>
               <a:ext uri="{FF2B5EF4-FFF2-40B4-BE49-F238E27FC236}">
-                <a16:creationId xmlns:a16="http://schemas.microsoft.com/office/drawing/2014/main" id="{F477C6E4-8C06-4C8A-8A0C-C1EDED58155D}"/>
+                <a16:creationId xmlns:a16="http://schemas.microsoft.com/office/drawing/2014/main" xmlns="" id="{F477C6E4-8C06-4C8A-8A0C-C1EDED58155D}"/>
               </a:ext>
             </a:extLst>
           </p:cNvPr>
@@ -5202,6 +5335,13 @@
   <p:clrMapOvr>
     <a:masterClrMapping/>
   </p:clrMapOvr>
+  <p:timing>
+    <p:tnLst>
+      <p:par>
+        <p:cTn xmlns:p14="http://schemas.microsoft.com/office/powerpoint/2010/main" id="1" dur="indefinite" restart="never" nodeType="tmRoot"/>
+      </p:par>
+    </p:tnLst>
+  </p:timing>
 </p:sld>
 </file>
 
@@ -5240,8 +5380,8 @@
           <a:lstStyle/>
           <a:p>
             <a:r>
-              <a:rPr lang="en-US" dirty="0"/>
-              <a:t>Sequential</a:t>
+              <a:rPr lang="en-US" dirty="0" err="1"/>
+              <a:t>Hillclimber</a:t>
             </a:r>
             <a:endParaRPr lang="nl-NL" dirty="0"/>
           </a:p>
@@ -5264,6 +5404,160 @@
           <a:p>
             <a:r>
               <a:rPr lang="nl-NL" dirty="0"/>
+              <a:t>Stochastische </a:t>
+            </a:r>
+            <a:r>
+              <a:rPr lang="nl-NL" dirty="0" err="1"/>
+              <a:t>Hillclimber</a:t>
+            </a:r>
+            <a:endParaRPr lang="nl-NL" dirty="0"/>
+          </a:p>
+          <a:p>
+            <a:pPr lvl="1"/>
+            <a:r>
+              <a:rPr lang="nl-NL" dirty="0"/>
+              <a:t>Random 2 activiteiten selecteren en omwisselen van zaalslot</a:t>
+            </a:r>
+          </a:p>
+          <a:p>
+            <a:pPr lvl="1"/>
+            <a:r>
+              <a:rPr lang="nl-NL" dirty="0"/>
+              <a:t>Hogere score = rooster accepteren</a:t>
+            </a:r>
+          </a:p>
+          <a:p>
+            <a:pPr lvl="1"/>
+            <a:r>
+              <a:rPr lang="nl-NL" dirty="0"/>
+              <a:t>Stopcriteria; aantal iteraties</a:t>
+            </a:r>
+          </a:p>
+          <a:p>
+            <a:r>
+              <a:rPr lang="nl-NL" dirty="0"/>
+              <a:t>Steepest </a:t>
+            </a:r>
+            <a:r>
+              <a:rPr lang="nl-NL" dirty="0" err="1"/>
+              <a:t>Ascent</a:t>
+            </a:r>
+            <a:r>
+              <a:rPr lang="nl-NL" dirty="0"/>
+              <a:t> </a:t>
+            </a:r>
+            <a:r>
+              <a:rPr lang="nl-NL" dirty="0" err="1"/>
+              <a:t>HillClimber</a:t>
+            </a:r>
+            <a:endParaRPr lang="nl-NL" dirty="0"/>
+          </a:p>
+          <a:p>
+            <a:pPr lvl="1"/>
+            <a:r>
+              <a:rPr lang="nl-NL" dirty="0"/>
+              <a:t>Beste score van alle wissels t.o.v. één activiteit kiezen</a:t>
+            </a:r>
+          </a:p>
+          <a:p>
+            <a:r>
+              <a:rPr lang="nl-NL" dirty="0" err="1"/>
+              <a:t>Simulated</a:t>
+            </a:r>
+            <a:r>
+              <a:rPr lang="nl-NL" dirty="0"/>
+              <a:t> </a:t>
+            </a:r>
+            <a:r>
+              <a:rPr lang="nl-NL" dirty="0" err="1"/>
+              <a:t>Annealing</a:t>
+            </a:r>
+            <a:r>
+              <a:rPr lang="nl-NL" dirty="0"/>
+              <a:t> </a:t>
+            </a:r>
+          </a:p>
+          <a:p>
+            <a:pPr lvl="1"/>
+            <a:r>
+              <a:rPr lang="nl-NL" dirty="0"/>
+              <a:t>Verslechteringen accepteren middels koelschema’s</a:t>
+            </a:r>
+          </a:p>
+        </p:txBody>
+      </p:sp>
+    </p:spTree>
+    <p:extLst>
+      <p:ext uri="{BB962C8B-B14F-4D97-AF65-F5344CB8AC3E}">
+        <p14:creationId xmlns:p14="http://schemas.microsoft.com/office/powerpoint/2010/main" val="768634526"/>
+      </p:ext>
+    </p:extLst>
+  </p:cSld>
+  <p:clrMapOvr>
+    <a:masterClrMapping/>
+  </p:clrMapOvr>
+</p:sld>
+</file>
+
+<file path=ppt/slides/slide11.xml><?xml version="1.0" encoding="utf-8"?>
+<p:sld xmlns:a="http://schemas.openxmlformats.org/drawingml/2006/main" xmlns:r="http://schemas.openxmlformats.org/officeDocument/2006/relationships" xmlns:p="http://schemas.openxmlformats.org/presentationml/2006/main">
+  <p:cSld>
+    <p:spTree>
+      <p:nvGrpSpPr>
+        <p:cNvPr id="1" name=""/>
+        <p:cNvGrpSpPr/>
+        <p:nvPr/>
+      </p:nvGrpSpPr>
+      <p:grpSpPr>
+        <a:xfrm>
+          <a:off x="0" y="0"/>
+          <a:ext cx="0" cy="0"/>
+          <a:chOff x="0" y="0"/>
+          <a:chExt cx="0" cy="0"/>
+        </a:xfrm>
+      </p:grpSpPr>
+      <p:sp>
+        <p:nvSpPr>
+          <p:cNvPr id="2" name="Titel 1"/>
+          <p:cNvSpPr>
+            <a:spLocks noGrp="1"/>
+          </p:cNvSpPr>
+          <p:nvPr>
+            <p:ph type="title"/>
+          </p:nvPr>
+        </p:nvSpPr>
+        <p:spPr/>
+        <p:txBody>
+          <a:bodyPr>
+            <a:normAutofit/>
+          </a:bodyPr>
+          <a:lstStyle/>
+          <a:p>
+            <a:r>
+              <a:rPr lang="en-US" dirty="0"/>
+              <a:t>Sequential</a:t>
+            </a:r>
+            <a:endParaRPr lang="nl-NL" dirty="0"/>
+          </a:p>
+        </p:txBody>
+      </p:sp>
+      <p:sp>
+        <p:nvSpPr>
+          <p:cNvPr id="3" name="Tijdelijke aanduiding voor inhoud 2"/>
+          <p:cNvSpPr>
+            <a:spLocks noGrp="1"/>
+          </p:cNvSpPr>
+          <p:nvPr>
+            <p:ph idx="1"/>
+          </p:nvPr>
+        </p:nvSpPr>
+        <p:spPr/>
+        <p:txBody>
+          <a:bodyPr/>
+          <a:lstStyle/>
+          <a:p>
+            <a:r>
+              <a:rPr lang="nl-NL" dirty="0"/>
               <a:t>Heuristiek met exact component</a:t>
             </a:r>
           </a:p>
@@ -5302,7 +5596,7 @@
 </p:sld>
 </file>
 
-<file path=ppt/slides/slide11.xml><?xml version="1.0" encoding="utf-8"?>
+<file path=ppt/slides/slide12.xml><?xml version="1.0" encoding="utf-8"?>
 <p:sld xmlns:a="http://schemas.openxmlformats.org/drawingml/2006/main" xmlns:r="http://schemas.openxmlformats.org/officeDocument/2006/relationships" xmlns:p="http://schemas.openxmlformats.org/presentationml/2006/main">
   <p:cSld>
     <p:spTree>
@@ -5796,7 +6090,7 @@
           </a:prstGeom>
           <a:noFill/>
           <a:extLst>
-            <a:ext uri="{909E8E84-426E-40DD-AFC4-6F175D3DCCD1}">
+            <a:ext uri="{909E8E84-426E-40dd-AFC4-6F175D3DCCD1}">
               <a14:hiddenFill xmlns:a14="http://schemas.microsoft.com/office/drawing/2010/main">
                 <a:solidFill>
                   <a:srgbClr val="FFFFFF"/>
@@ -5819,7 +6113,7 @@
 </p:sld>
 </file>
 
-<file path=ppt/slides/slide12.xml><?xml version="1.0" encoding="utf-8"?>
+<file path=ppt/slides/slide13.xml><?xml version="1.0" encoding="utf-8"?>
 <p:sld xmlns:a="http://schemas.openxmlformats.org/drawingml/2006/main" xmlns:r="http://schemas.openxmlformats.org/officeDocument/2006/relationships" xmlns:p="http://schemas.openxmlformats.org/presentationml/2006/main">
   <p:cSld>
     <p:spTree>
@@ -5896,7 +6190,7 @@
 </p:sld>
 </file>
 
-<file path=ppt/slides/slide13.xml><?xml version="1.0" encoding="utf-8"?>
+<file path=ppt/slides/slide14.xml><?xml version="1.0" encoding="utf-8"?>
 <p:sld xmlns:a="http://schemas.openxmlformats.org/drawingml/2006/main" xmlns:r="http://schemas.openxmlformats.org/officeDocument/2006/relationships" xmlns:p="http://schemas.openxmlformats.org/presentationml/2006/main">
   <p:cSld>
     <p:spTree>
@@ -5941,6 +6235,10 @@
             <a:r>
               <a:rPr lang="en-US" dirty="0" err="1"/>
               <a:t>Hillclimber</a:t>
+            </a:r>
+            <a:r>
+              <a:rPr lang="en-US" dirty="0"/>
+              <a:t/>
             </a:r>
             <a:br>
               <a:rPr lang="en-US" dirty="0"/>
@@ -6021,7 +6319,7 @@
 </p:sld>
 </file>
 
-<file path=ppt/slides/slide14.xml><?xml version="1.0" encoding="utf-8"?>
+<file path=ppt/slides/slide15.xml><?xml version="1.0" encoding="utf-8"?>
 <p:sld xmlns:a="http://schemas.openxmlformats.org/drawingml/2006/main" xmlns:r="http://schemas.openxmlformats.org/officeDocument/2006/relationships" xmlns:p="http://schemas.openxmlformats.org/presentationml/2006/main">
   <p:cSld>
     <p:spTree>
@@ -6066,6 +6364,10 @@
             <a:r>
               <a:rPr lang="en-US" dirty="0" err="1"/>
               <a:t>Hillclimber</a:t>
+            </a:r>
+            <a:r>
+              <a:rPr lang="en-US" dirty="0"/>
+              <a:t/>
             </a:r>
             <a:br>
               <a:rPr lang="en-US" dirty="0"/>
@@ -6224,7 +6526,7 @@
           <p:cNvPr id="7" name="Oval 6">
             <a:extLst>
               <a:ext uri="{FF2B5EF4-FFF2-40B4-BE49-F238E27FC236}">
-                <a16:creationId xmlns:a16="http://schemas.microsoft.com/office/drawing/2014/main" id="{BAC1C28E-8654-4627-A7DC-0CB01A9F5565}"/>
+                <a16:creationId xmlns:a16="http://schemas.microsoft.com/office/drawing/2014/main" xmlns="" id="{BAC1C28E-8654-4627-A7DC-0CB01A9F5565}"/>
               </a:ext>
             </a:extLst>
           </p:cNvPr>
@@ -6284,7 +6586,7 @@
   <p:timing>
     <p:tnLst>
       <p:par>
-        <p:cTn id="1" dur="indefinite" restart="never" nodeType="tmRoot">
+        <p:cTn xmlns:p14="http://schemas.microsoft.com/office/powerpoint/2010/main" id="1" dur="indefinite" restart="never" nodeType="tmRoot">
           <p:childTnLst>
             <p:seq concurrent="1" nextAc="seek">
               <p:cTn id="2" dur="indefinite" nodeType="mainSeq">
@@ -6659,7 +6961,7 @@
 </p:sld>
 </file>
 
-<file path=ppt/slides/slide15.xml><?xml version="1.0" encoding="utf-8"?>
+<file path=ppt/slides/slide16.xml><?xml version="1.0" encoding="utf-8"?>
 <p:sld xmlns:a="http://schemas.openxmlformats.org/drawingml/2006/main" xmlns:r="http://schemas.openxmlformats.org/officeDocument/2006/relationships" xmlns:p="http://schemas.openxmlformats.org/presentationml/2006/main">
   <p:cSld>
     <p:spTree>
@@ -6799,7 +7101,7 @@
           <p:cNvPr id="8" name="Oval 7">
             <a:extLst>
               <a:ext uri="{FF2B5EF4-FFF2-40B4-BE49-F238E27FC236}">
-                <a16:creationId xmlns:a16="http://schemas.microsoft.com/office/drawing/2014/main" id="{CB71FEC5-692A-41B9-B67D-FFD1585B26E6}"/>
+                <a16:creationId xmlns:a16="http://schemas.microsoft.com/office/drawing/2014/main" xmlns="" id="{CB71FEC5-692A-41B9-B67D-FFD1585B26E6}"/>
               </a:ext>
             </a:extLst>
           </p:cNvPr>
@@ -6851,7 +7153,7 @@
           <p:cNvPr id="9" name="Wolkvormige toelichting 5">
             <a:extLst>
               <a:ext uri="{FF2B5EF4-FFF2-40B4-BE49-F238E27FC236}">
-                <a16:creationId xmlns:a16="http://schemas.microsoft.com/office/drawing/2014/main" id="{EDDE77E2-CD28-479D-8A66-8DB713E14E89}"/>
+                <a16:creationId xmlns:a16="http://schemas.microsoft.com/office/drawing/2014/main" xmlns="" id="{EDDE77E2-CD28-479D-8A66-8DB713E14E89}"/>
               </a:ext>
             </a:extLst>
           </p:cNvPr>
@@ -6910,7 +7212,7 @@
   <p:timing>
     <p:tnLst>
       <p:par>
-        <p:cTn id="1" dur="indefinite" restart="never" nodeType="tmRoot">
+        <p:cTn xmlns:p14="http://schemas.microsoft.com/office/powerpoint/2010/main" id="1" dur="indefinite" restart="never" nodeType="tmRoot">
           <p:childTnLst>
             <p:seq concurrent="1" nextAc="seek">
               <p:cTn id="2" dur="indefinite" nodeType="mainSeq">
@@ -7339,7 +7641,7 @@
 </p:sld>
 </file>
 
-<file path=ppt/slides/slide16.xml><?xml version="1.0" encoding="utf-8"?>
+<file path=ppt/slides/slide17.xml><?xml version="1.0" encoding="utf-8"?>
 <p:sld xmlns:a="http://schemas.openxmlformats.org/drawingml/2006/main" xmlns:r="http://schemas.openxmlformats.org/officeDocument/2006/relationships" xmlns:p="http://schemas.openxmlformats.org/presentationml/2006/main">
   <p:cSld>
     <p:spTree>
@@ -7391,7 +7693,7 @@
           <p:cNvPr id="4" name="Picture 3" descr="A picture containing screenshot&#10;&#10;Description generated with high confidence">
             <a:extLst>
               <a:ext uri="{FF2B5EF4-FFF2-40B4-BE49-F238E27FC236}">
-                <a16:creationId xmlns:a16="http://schemas.microsoft.com/office/drawing/2014/main" id="{228108D8-3498-4B97-AC46-7FEEE715DA64}"/>
+                <a16:creationId xmlns:a16="http://schemas.microsoft.com/office/drawing/2014/main" xmlns="" id="{228108D8-3498-4B97-AC46-7FEEE715DA64}"/>
               </a:ext>
             </a:extLst>
           </p:cNvPr>
@@ -7425,7 +7727,7 @@
           <p:cNvPr id="10" name="PIJL-RECHTS 4">
             <a:extLst>
               <a:ext uri="{FF2B5EF4-FFF2-40B4-BE49-F238E27FC236}">
-                <a16:creationId xmlns:a16="http://schemas.microsoft.com/office/drawing/2014/main" id="{DBE31643-EA9B-467F-96FE-3EEDF6EB712D}"/>
+                <a16:creationId xmlns:a16="http://schemas.microsoft.com/office/drawing/2014/main" xmlns="" id="{DBE31643-EA9B-467F-96FE-3EEDF6EB712D}"/>
               </a:ext>
             </a:extLst>
           </p:cNvPr>
@@ -7477,7 +7779,7 @@
           <p:cNvPr id="5" name="Oval 4">
             <a:extLst>
               <a:ext uri="{FF2B5EF4-FFF2-40B4-BE49-F238E27FC236}">
-                <a16:creationId xmlns:a16="http://schemas.microsoft.com/office/drawing/2014/main" id="{0C35477F-2577-43C6-A30D-ACCA0BD6EEA6}"/>
+                <a16:creationId xmlns:a16="http://schemas.microsoft.com/office/drawing/2014/main" xmlns="" id="{0C35477F-2577-43C6-A30D-ACCA0BD6EEA6}"/>
               </a:ext>
             </a:extLst>
           </p:cNvPr>
@@ -7537,7 +7839,7 @@
   <p:timing>
     <p:tnLst>
       <p:par>
-        <p:cTn id="1" dur="indefinite" restart="never" nodeType="tmRoot">
+        <p:cTn xmlns:p14="http://schemas.microsoft.com/office/powerpoint/2010/main" id="1" dur="indefinite" restart="never" nodeType="tmRoot">
           <p:childTnLst>
             <p:seq concurrent="1" nextAc="seek">
               <p:cTn id="2" dur="indefinite" nodeType="mainSeq">
@@ -7692,7 +7994,7 @@
 </p:sld>
 </file>
 
-<file path=ppt/slides/slide17.xml><?xml version="1.0" encoding="utf-8"?>
+<file path=ppt/slides/slide18.xml><?xml version="1.0" encoding="utf-8"?>
 <p:sld xmlns:a="http://schemas.openxmlformats.org/drawingml/2006/main" xmlns:r="http://schemas.openxmlformats.org/officeDocument/2006/relationships" xmlns:p="http://schemas.openxmlformats.org/presentationml/2006/main">
   <p:cSld>
     <p:spTree>
@@ -7779,7 +8081,7 @@
           <p:cNvPr id="4" name="Rectangle 3">
             <a:extLst>
               <a:ext uri="{FF2B5EF4-FFF2-40B4-BE49-F238E27FC236}">
-                <a16:creationId xmlns:a16="http://schemas.microsoft.com/office/drawing/2014/main" id="{23CA6F21-66F1-4018-9D3E-E4C87312DB7D}"/>
+                <a16:creationId xmlns:a16="http://schemas.microsoft.com/office/drawing/2014/main" xmlns="" id="{23CA6F21-66F1-4018-9D3E-E4C87312DB7D}"/>
               </a:ext>
             </a:extLst>
           </p:cNvPr>
@@ -7832,7 +8134,7 @@
           <p:cNvPr id="10" name="Graphic 9" descr="Trophy">
             <a:extLst>
               <a:ext uri="{FF2B5EF4-FFF2-40B4-BE49-F238E27FC236}">
-                <a16:creationId xmlns:a16="http://schemas.microsoft.com/office/drawing/2014/main" id="{2E7C44D8-428B-4EDC-B7EC-C5E089433D63}"/>
+                <a16:creationId xmlns:a16="http://schemas.microsoft.com/office/drawing/2014/main" xmlns="" id="{2E7C44D8-428B-4EDC-B7EC-C5E089433D63}"/>
               </a:ext>
             </a:extLst>
           </p:cNvPr>
@@ -7848,7 +8150,7 @@
                 <a14:useLocalDpi xmlns:a14="http://schemas.microsoft.com/office/drawing/2010/main" val="0"/>
               </a:ext>
               <a:ext uri="{96DAC541-7B7A-43D3-8B79-37D633B846F1}">
-                <asvg:svgBlip xmlns:asvg="http://schemas.microsoft.com/office/drawing/2016/SVG/main" r:embed="rId3"/>
+                <asvg:svgBlip xmlns:asvg="http://schemas.microsoft.com/office/drawing/2016/SVG/main" xmlns="" r:embed="rId3"/>
               </a:ext>
             </a:extLst>
           </a:blip>
@@ -7871,7 +8173,7 @@
           <p:cNvPr id="12" name="Graphic 11" descr="Balloons">
             <a:extLst>
               <a:ext uri="{FF2B5EF4-FFF2-40B4-BE49-F238E27FC236}">
-                <a16:creationId xmlns:a16="http://schemas.microsoft.com/office/drawing/2014/main" id="{00347C37-56C2-4C8C-9E42-AE40AF1CBF09}"/>
+                <a16:creationId xmlns:a16="http://schemas.microsoft.com/office/drawing/2014/main" xmlns="" id="{00347C37-56C2-4C8C-9E42-AE40AF1CBF09}"/>
               </a:ext>
             </a:extLst>
           </p:cNvPr>
@@ -7887,7 +8189,7 @@
                 <a14:useLocalDpi xmlns:a14="http://schemas.microsoft.com/office/drawing/2010/main" val="0"/>
               </a:ext>
               <a:ext uri="{96DAC541-7B7A-43D3-8B79-37D633B846F1}">
-                <asvg:svgBlip xmlns:asvg="http://schemas.microsoft.com/office/drawing/2016/SVG/main" r:embed="rId5"/>
+                <asvg:svgBlip xmlns:asvg="http://schemas.microsoft.com/office/drawing/2016/SVG/main" xmlns="" r:embed="rId5"/>
               </a:ext>
             </a:extLst>
           </a:blip>
@@ -7910,7 +8212,7 @@
           <p:cNvPr id="14" name="Graphic 13" descr="Streamers">
             <a:extLst>
               <a:ext uri="{FF2B5EF4-FFF2-40B4-BE49-F238E27FC236}">
-                <a16:creationId xmlns:a16="http://schemas.microsoft.com/office/drawing/2014/main" id="{B3CDE999-4CA8-4E68-A573-199DD6DF12BD}"/>
+                <a16:creationId xmlns:a16="http://schemas.microsoft.com/office/drawing/2014/main" xmlns="" id="{B3CDE999-4CA8-4E68-A573-199DD6DF12BD}"/>
               </a:ext>
             </a:extLst>
           </p:cNvPr>
@@ -7926,7 +8228,7 @@
                 <a14:useLocalDpi xmlns:a14="http://schemas.microsoft.com/office/drawing/2010/main" val="0"/>
               </a:ext>
               <a:ext uri="{96DAC541-7B7A-43D3-8B79-37D633B846F1}">
-                <asvg:svgBlip xmlns:asvg="http://schemas.microsoft.com/office/drawing/2016/SVG/main" r:embed="rId7"/>
+                <asvg:svgBlip xmlns:asvg="http://schemas.microsoft.com/office/drawing/2016/SVG/main" xmlns="" r:embed="rId7"/>
               </a:ext>
             </a:extLst>
           </a:blip>
@@ -7949,7 +8251,7 @@
           <p:cNvPr id="16" name="Graphic 15" descr="Dance">
             <a:extLst>
               <a:ext uri="{FF2B5EF4-FFF2-40B4-BE49-F238E27FC236}">
-                <a16:creationId xmlns:a16="http://schemas.microsoft.com/office/drawing/2014/main" id="{548CDE26-A456-46C4-A7A4-865C03A69D23}"/>
+                <a16:creationId xmlns:a16="http://schemas.microsoft.com/office/drawing/2014/main" xmlns="" id="{548CDE26-A456-46C4-A7A4-865C03A69D23}"/>
               </a:ext>
             </a:extLst>
           </p:cNvPr>
@@ -7965,7 +8267,7 @@
                 <a14:useLocalDpi xmlns:a14="http://schemas.microsoft.com/office/drawing/2010/main" val="0"/>
               </a:ext>
               <a:ext uri="{96DAC541-7B7A-43D3-8B79-37D633B846F1}">
-                <asvg:svgBlip xmlns:asvg="http://schemas.microsoft.com/office/drawing/2016/SVG/main" r:embed="rId9"/>
+                <asvg:svgBlip xmlns:asvg="http://schemas.microsoft.com/office/drawing/2016/SVG/main" xmlns="" r:embed="rId9"/>
               </a:ext>
             </a:extLst>
           </a:blip>
@@ -7988,7 +8290,7 @@
           <p:cNvPr id="18" name="Graphic 17" descr="Podium">
             <a:extLst>
               <a:ext uri="{FF2B5EF4-FFF2-40B4-BE49-F238E27FC236}">
-                <a16:creationId xmlns:a16="http://schemas.microsoft.com/office/drawing/2014/main" id="{CE057DDF-1695-4F44-8EC8-1789B176CE6F}"/>
+                <a16:creationId xmlns:a16="http://schemas.microsoft.com/office/drawing/2014/main" xmlns="" id="{CE057DDF-1695-4F44-8EC8-1789B176CE6F}"/>
               </a:ext>
             </a:extLst>
           </p:cNvPr>
@@ -8004,7 +8306,7 @@
                 <a14:useLocalDpi xmlns:a14="http://schemas.microsoft.com/office/drawing/2010/main" val="0"/>
               </a:ext>
               <a:ext uri="{96DAC541-7B7A-43D3-8B79-37D633B846F1}">
-                <asvg:svgBlip xmlns:asvg="http://schemas.microsoft.com/office/drawing/2016/SVG/main" r:embed="rId11"/>
+                <asvg:svgBlip xmlns:asvg="http://schemas.microsoft.com/office/drawing/2016/SVG/main" xmlns="" r:embed="rId11"/>
               </a:ext>
             </a:extLst>
           </a:blip>
@@ -8027,7 +8329,7 @@
           <p:cNvPr id="20" name="Graphic 19" descr="Medal">
             <a:extLst>
               <a:ext uri="{FF2B5EF4-FFF2-40B4-BE49-F238E27FC236}">
-                <a16:creationId xmlns:a16="http://schemas.microsoft.com/office/drawing/2014/main" id="{61AD81F5-A5F8-4DEB-AE56-E893251087FA}"/>
+                <a16:creationId xmlns:a16="http://schemas.microsoft.com/office/drawing/2014/main" xmlns="" id="{61AD81F5-A5F8-4DEB-AE56-E893251087FA}"/>
               </a:ext>
             </a:extLst>
           </p:cNvPr>
@@ -8043,7 +8345,7 @@
                 <a14:useLocalDpi xmlns:a14="http://schemas.microsoft.com/office/drawing/2010/main" val="0"/>
               </a:ext>
               <a:ext uri="{96DAC541-7B7A-43D3-8B79-37D633B846F1}">
-                <asvg:svgBlip xmlns:asvg="http://schemas.microsoft.com/office/drawing/2016/SVG/main" r:embed="rId13"/>
+                <asvg:svgBlip xmlns:asvg="http://schemas.microsoft.com/office/drawing/2016/SVG/main" xmlns="" r:embed="rId13"/>
               </a:ext>
             </a:extLst>
           </a:blip>
@@ -8066,7 +8368,7 @@
           <p:cNvPr id="22" name="Graphic 21" descr="Party hat">
             <a:extLst>
               <a:ext uri="{FF2B5EF4-FFF2-40B4-BE49-F238E27FC236}">
-                <a16:creationId xmlns:a16="http://schemas.microsoft.com/office/drawing/2014/main" id="{53C50174-84F2-4A49-9512-A08BAE2BAE8A}"/>
+                <a16:creationId xmlns:a16="http://schemas.microsoft.com/office/drawing/2014/main" xmlns="" id="{53C50174-84F2-4A49-9512-A08BAE2BAE8A}"/>
               </a:ext>
             </a:extLst>
           </p:cNvPr>
@@ -8082,7 +8384,7 @@
                 <a14:useLocalDpi xmlns:a14="http://schemas.microsoft.com/office/drawing/2010/main" val="0"/>
               </a:ext>
               <a:ext uri="{96DAC541-7B7A-43D3-8B79-37D633B846F1}">
-                <asvg:svgBlip xmlns:asvg="http://schemas.microsoft.com/office/drawing/2016/SVG/main" r:embed="rId15"/>
+                <asvg:svgBlip xmlns:asvg="http://schemas.microsoft.com/office/drawing/2016/SVG/main" xmlns="" r:embed="rId15"/>
               </a:ext>
             </a:extLst>
           </a:blip>
@@ -8105,7 +8407,7 @@
           <p:cNvPr id="23" name="Graphic 22" descr="Streamers">
             <a:extLst>
               <a:ext uri="{FF2B5EF4-FFF2-40B4-BE49-F238E27FC236}">
-                <a16:creationId xmlns:a16="http://schemas.microsoft.com/office/drawing/2014/main" id="{EDB75D84-7A72-4161-B542-63E3E17BD7E6}"/>
+                <a16:creationId xmlns:a16="http://schemas.microsoft.com/office/drawing/2014/main" xmlns="" id="{EDB75D84-7A72-4161-B542-63E3E17BD7E6}"/>
               </a:ext>
             </a:extLst>
           </p:cNvPr>
@@ -8121,7 +8423,7 @@
                 <a14:useLocalDpi xmlns:a14="http://schemas.microsoft.com/office/drawing/2010/main" val="0"/>
               </a:ext>
               <a:ext uri="{96DAC541-7B7A-43D3-8B79-37D633B846F1}">
-                <asvg:svgBlip xmlns:asvg="http://schemas.microsoft.com/office/drawing/2016/SVG/main" r:embed="rId7"/>
+                <asvg:svgBlip xmlns:asvg="http://schemas.microsoft.com/office/drawing/2016/SVG/main" xmlns="" r:embed="rId7"/>
               </a:ext>
             </a:extLst>
           </a:blip>
@@ -8144,7 +8446,7 @@
           <p:cNvPr id="24" name="Graphic 23" descr="Trophy">
             <a:extLst>
               <a:ext uri="{FF2B5EF4-FFF2-40B4-BE49-F238E27FC236}">
-                <a16:creationId xmlns:a16="http://schemas.microsoft.com/office/drawing/2014/main" id="{5F9FBD96-9998-48A1-9617-C56A08BCE313}"/>
+                <a16:creationId xmlns:a16="http://schemas.microsoft.com/office/drawing/2014/main" xmlns="" id="{5F9FBD96-9998-48A1-9617-C56A08BCE313}"/>
               </a:ext>
             </a:extLst>
           </p:cNvPr>
@@ -8160,7 +8462,7 @@
                 <a14:useLocalDpi xmlns:a14="http://schemas.microsoft.com/office/drawing/2010/main" val="0"/>
               </a:ext>
               <a:ext uri="{96DAC541-7B7A-43D3-8B79-37D633B846F1}">
-                <asvg:svgBlip xmlns:asvg="http://schemas.microsoft.com/office/drawing/2016/SVG/main" r:embed="rId3"/>
+                <asvg:svgBlip xmlns:asvg="http://schemas.microsoft.com/office/drawing/2016/SVG/main" xmlns="" r:embed="rId3"/>
               </a:ext>
             </a:extLst>
           </a:blip>
@@ -8183,7 +8485,7 @@
           <p:cNvPr id="25" name="Graphic 24" descr="Balloons">
             <a:extLst>
               <a:ext uri="{FF2B5EF4-FFF2-40B4-BE49-F238E27FC236}">
-                <a16:creationId xmlns:a16="http://schemas.microsoft.com/office/drawing/2014/main" id="{1C9A8588-4E84-401E-B189-631847AB29BF}"/>
+                <a16:creationId xmlns:a16="http://schemas.microsoft.com/office/drawing/2014/main" xmlns="" id="{1C9A8588-4E84-401E-B189-631847AB29BF}"/>
               </a:ext>
             </a:extLst>
           </p:cNvPr>
@@ -8199,7 +8501,7 @@
                 <a14:useLocalDpi xmlns:a14="http://schemas.microsoft.com/office/drawing/2010/main" val="0"/>
               </a:ext>
               <a:ext uri="{96DAC541-7B7A-43D3-8B79-37D633B846F1}">
-                <asvg:svgBlip xmlns:asvg="http://schemas.microsoft.com/office/drawing/2016/SVG/main" r:embed="rId5"/>
+                <asvg:svgBlip xmlns:asvg="http://schemas.microsoft.com/office/drawing/2016/SVG/main" xmlns="" r:embed="rId5"/>
               </a:ext>
             </a:extLst>
           </a:blip>
@@ -8222,7 +8524,7 @@
           <p:cNvPr id="26" name="Graphic 25" descr="Dance">
             <a:extLst>
               <a:ext uri="{FF2B5EF4-FFF2-40B4-BE49-F238E27FC236}">
-                <a16:creationId xmlns:a16="http://schemas.microsoft.com/office/drawing/2014/main" id="{FD8760B4-0852-40E8-8661-3265ECF53428}"/>
+                <a16:creationId xmlns:a16="http://schemas.microsoft.com/office/drawing/2014/main" xmlns="" id="{FD8760B4-0852-40E8-8661-3265ECF53428}"/>
               </a:ext>
             </a:extLst>
           </p:cNvPr>
@@ -8238,7 +8540,7 @@
                 <a14:useLocalDpi xmlns:a14="http://schemas.microsoft.com/office/drawing/2010/main" val="0"/>
               </a:ext>
               <a:ext uri="{96DAC541-7B7A-43D3-8B79-37D633B846F1}">
-                <asvg:svgBlip xmlns:asvg="http://schemas.microsoft.com/office/drawing/2016/SVG/main" r:embed="rId9"/>
+                <asvg:svgBlip xmlns:asvg="http://schemas.microsoft.com/office/drawing/2016/SVG/main" xmlns="" r:embed="rId9"/>
               </a:ext>
             </a:extLst>
           </a:blip>
@@ -8261,7 +8563,7 @@
           <p:cNvPr id="27" name="Graphic 26" descr="Podium">
             <a:extLst>
               <a:ext uri="{FF2B5EF4-FFF2-40B4-BE49-F238E27FC236}">
-                <a16:creationId xmlns:a16="http://schemas.microsoft.com/office/drawing/2014/main" id="{D2AE9F73-DEDB-4A16-9408-69BC92397F72}"/>
+                <a16:creationId xmlns:a16="http://schemas.microsoft.com/office/drawing/2014/main" xmlns="" id="{D2AE9F73-DEDB-4A16-9408-69BC92397F72}"/>
               </a:ext>
             </a:extLst>
           </p:cNvPr>
@@ -8277,7 +8579,7 @@
                 <a14:useLocalDpi xmlns:a14="http://schemas.microsoft.com/office/drawing/2010/main" val="0"/>
               </a:ext>
               <a:ext uri="{96DAC541-7B7A-43D3-8B79-37D633B846F1}">
-                <asvg:svgBlip xmlns:asvg="http://schemas.microsoft.com/office/drawing/2016/SVG/main" r:embed="rId11"/>
+                <asvg:svgBlip xmlns:asvg="http://schemas.microsoft.com/office/drawing/2016/SVG/main" xmlns="" r:embed="rId11"/>
               </a:ext>
             </a:extLst>
           </a:blip>
@@ -8300,7 +8602,7 @@
           <p:cNvPr id="28" name="Graphic 27" descr="Medal">
             <a:extLst>
               <a:ext uri="{FF2B5EF4-FFF2-40B4-BE49-F238E27FC236}">
-                <a16:creationId xmlns:a16="http://schemas.microsoft.com/office/drawing/2014/main" id="{67EEAF46-3387-4B58-AD64-AA99114441BA}"/>
+                <a16:creationId xmlns:a16="http://schemas.microsoft.com/office/drawing/2014/main" xmlns="" id="{67EEAF46-3387-4B58-AD64-AA99114441BA}"/>
               </a:ext>
             </a:extLst>
           </p:cNvPr>
@@ -8316,7 +8618,7 @@
                 <a14:useLocalDpi xmlns:a14="http://schemas.microsoft.com/office/drawing/2010/main" val="0"/>
               </a:ext>
               <a:ext uri="{96DAC541-7B7A-43D3-8B79-37D633B846F1}">
-                <asvg:svgBlip xmlns:asvg="http://schemas.microsoft.com/office/drawing/2016/SVG/main" r:embed="rId13"/>
+                <asvg:svgBlip xmlns:asvg="http://schemas.microsoft.com/office/drawing/2016/SVG/main" xmlns="" r:embed="rId13"/>
               </a:ext>
             </a:extLst>
           </a:blip>
@@ -8339,7 +8641,7 @@
           <p:cNvPr id="29" name="Graphic 28" descr="Party hat">
             <a:extLst>
               <a:ext uri="{FF2B5EF4-FFF2-40B4-BE49-F238E27FC236}">
-                <a16:creationId xmlns:a16="http://schemas.microsoft.com/office/drawing/2014/main" id="{DD5F4713-2673-40CD-BAA3-0D97CED9C2A6}"/>
+                <a16:creationId xmlns:a16="http://schemas.microsoft.com/office/drawing/2014/main" xmlns="" id="{DD5F4713-2673-40CD-BAA3-0D97CED9C2A6}"/>
               </a:ext>
             </a:extLst>
           </p:cNvPr>
@@ -8355,7 +8657,7 @@
                 <a14:useLocalDpi xmlns:a14="http://schemas.microsoft.com/office/drawing/2010/main" val="0"/>
               </a:ext>
               <a:ext uri="{96DAC541-7B7A-43D3-8B79-37D633B846F1}">
-                <asvg:svgBlip xmlns:asvg="http://schemas.microsoft.com/office/drawing/2016/SVG/main" r:embed="rId15"/>
+                <asvg:svgBlip xmlns:asvg="http://schemas.microsoft.com/office/drawing/2016/SVG/main" xmlns="" r:embed="rId15"/>
               </a:ext>
             </a:extLst>
           </a:blip>
@@ -8378,7 +8680,7 @@
           <p:cNvPr id="30" name="Graphic 29" descr="Streamers">
             <a:extLst>
               <a:ext uri="{FF2B5EF4-FFF2-40B4-BE49-F238E27FC236}">
-                <a16:creationId xmlns:a16="http://schemas.microsoft.com/office/drawing/2014/main" id="{9D3B9CC2-DEF5-43F8-A04F-3A68F7198135}"/>
+                <a16:creationId xmlns:a16="http://schemas.microsoft.com/office/drawing/2014/main" xmlns="" id="{9D3B9CC2-DEF5-43F8-A04F-3A68F7198135}"/>
               </a:ext>
             </a:extLst>
           </p:cNvPr>
@@ -8394,7 +8696,7 @@
                 <a14:useLocalDpi xmlns:a14="http://schemas.microsoft.com/office/drawing/2010/main" val="0"/>
               </a:ext>
               <a:ext uri="{96DAC541-7B7A-43D3-8B79-37D633B846F1}">
-                <asvg:svgBlip xmlns:asvg="http://schemas.microsoft.com/office/drawing/2016/SVG/main" r:embed="rId7"/>
+                <asvg:svgBlip xmlns:asvg="http://schemas.microsoft.com/office/drawing/2016/SVG/main" xmlns="" r:embed="rId7"/>
               </a:ext>
             </a:extLst>
           </a:blip>
@@ -8425,7 +8727,7 @@
   <p:timing>
     <p:tnLst>
       <p:par>
-        <p:cTn id="1" dur="indefinite" restart="never" nodeType="tmRoot">
+        <p:cTn xmlns:p14="http://schemas.microsoft.com/office/powerpoint/2010/main" id="1" dur="indefinite" restart="never" nodeType="tmRoot">
           <p:childTnLst>
             <p:seq concurrent="1" nextAc="seek">
               <p:cTn id="2" dur="indefinite" nodeType="mainSeq">
@@ -9455,7 +9757,7 @@
           <p:cNvPr id="2" name="Title 1">
             <a:extLst>
               <a:ext uri="{FF2B5EF4-FFF2-40B4-BE49-F238E27FC236}">
-                <a16:creationId xmlns:a16="http://schemas.microsoft.com/office/drawing/2014/main" id="{9786429D-A3FD-4545-A82A-7A300CE7816F}"/>
+                <a16:creationId xmlns:a16="http://schemas.microsoft.com/office/drawing/2014/main" xmlns="" id="{9786429D-A3FD-4545-A82A-7A300CE7816F}"/>
               </a:ext>
             </a:extLst>
           </p:cNvPr>
@@ -9480,12 +9782,1440 @@
           </a:p>
         </p:txBody>
       </p:sp>
+      <p:grpSp>
+        <p:nvGrpSpPr>
+          <p:cNvPr id="6" name="Group 5"/>
+          <p:cNvGrpSpPr>
+            <a:grpSpLocks noChangeAspect="1"/>
+          </p:cNvGrpSpPr>
+          <p:nvPr/>
+        </p:nvGrpSpPr>
+        <p:grpSpPr>
+          <a:xfrm>
+            <a:off x="3830185" y="2114045"/>
+            <a:ext cx="638189" cy="936219"/>
+            <a:chOff x="5448300" y="5003800"/>
+            <a:chExt cx="649288" cy="952501"/>
+          </a:xfrm>
+          <a:solidFill>
+            <a:srgbClr val="335B74"/>
+          </a:solidFill>
+        </p:grpSpPr>
+        <p:sp>
+          <p:nvSpPr>
+            <p:cNvPr id="7" name="Rectangle 685"/>
+            <p:cNvSpPr>
+              <a:spLocks noChangeArrowheads="1"/>
+            </p:cNvSpPr>
+            <p:nvPr/>
+          </p:nvSpPr>
+          <p:spPr bwMode="auto">
+            <a:xfrm>
+              <a:off x="5622925" y="5043488"/>
+              <a:ext cx="39688" cy="431800"/>
+            </a:xfrm>
+            <a:prstGeom prst="rect">
+              <a:avLst/>
+            </a:prstGeom>
+            <a:grpFill/>
+            <a:ln w="0">
+              <a:noFill/>
+              <a:prstDash val="solid"/>
+              <a:miter lim="800000"/>
+              <a:headEnd/>
+              <a:tailEnd/>
+            </a:ln>
+          </p:spPr>
+          <p:txBody>
+            <a:bodyPr vert="horz" wrap="square" lIns="91440" tIns="45720" rIns="91440" bIns="45720" numCol="1" anchor="t" anchorCtr="0" compatLnSpc="1">
+              <a:prstTxWarp prst="textNoShape">
+                <a:avLst/>
+              </a:prstTxWarp>
+            </a:bodyPr>
+            <a:lstStyle/>
+            <a:p>
+              <a:endParaRPr lang="en-GB"/>
+            </a:p>
+          </p:txBody>
+        </p:sp>
+        <p:sp>
+          <p:nvSpPr>
+            <p:cNvPr id="8" name="Rectangle 686"/>
+            <p:cNvSpPr>
+              <a:spLocks noChangeArrowheads="1"/>
+            </p:cNvSpPr>
+            <p:nvPr/>
+          </p:nvSpPr>
+          <p:spPr bwMode="auto">
+            <a:xfrm>
+              <a:off x="5622925" y="5851525"/>
+              <a:ext cx="39688" cy="65088"/>
+            </a:xfrm>
+            <a:prstGeom prst="rect">
+              <a:avLst/>
+            </a:prstGeom>
+            <a:grpFill/>
+            <a:ln w="0">
+              <a:noFill/>
+              <a:prstDash val="solid"/>
+              <a:miter lim="800000"/>
+              <a:headEnd/>
+              <a:tailEnd/>
+            </a:ln>
+          </p:spPr>
+          <p:txBody>
+            <a:bodyPr vert="horz" wrap="square" lIns="91440" tIns="45720" rIns="91440" bIns="45720" numCol="1" anchor="t" anchorCtr="0" compatLnSpc="1">
+              <a:prstTxWarp prst="textNoShape">
+                <a:avLst/>
+              </a:prstTxWarp>
+            </a:bodyPr>
+            <a:lstStyle/>
+            <a:p>
+              <a:endParaRPr lang="en-GB"/>
+            </a:p>
+          </p:txBody>
+        </p:sp>
+        <p:sp>
+          <p:nvSpPr>
+            <p:cNvPr id="9" name="Rectangle 687"/>
+            <p:cNvSpPr>
+              <a:spLocks noChangeArrowheads="1"/>
+            </p:cNvSpPr>
+            <p:nvPr/>
+          </p:nvSpPr>
+          <p:spPr bwMode="auto">
+            <a:xfrm>
+              <a:off x="5448300" y="5003800"/>
+              <a:ext cx="649288" cy="39688"/>
+            </a:xfrm>
+            <a:prstGeom prst="rect">
+              <a:avLst/>
+            </a:prstGeom>
+            <a:grpFill/>
+            <a:ln w="0">
+              <a:noFill/>
+              <a:prstDash val="solid"/>
+              <a:miter lim="800000"/>
+              <a:headEnd/>
+              <a:tailEnd/>
+            </a:ln>
+          </p:spPr>
+          <p:txBody>
+            <a:bodyPr vert="horz" wrap="square" lIns="91440" tIns="45720" rIns="91440" bIns="45720" numCol="1" anchor="t" anchorCtr="0" compatLnSpc="1">
+              <a:prstTxWarp prst="textNoShape">
+                <a:avLst/>
+              </a:prstTxWarp>
+            </a:bodyPr>
+            <a:lstStyle/>
+            <a:p>
+              <a:endParaRPr lang="en-GB"/>
+            </a:p>
+          </p:txBody>
+        </p:sp>
+        <p:sp>
+          <p:nvSpPr>
+            <p:cNvPr id="10" name="Rectangle 688"/>
+            <p:cNvSpPr>
+              <a:spLocks noChangeArrowheads="1"/>
+            </p:cNvSpPr>
+            <p:nvPr/>
+          </p:nvSpPr>
+          <p:spPr bwMode="auto">
+            <a:xfrm>
+              <a:off x="5448300" y="5916613"/>
+              <a:ext cx="649288" cy="39688"/>
+            </a:xfrm>
+            <a:prstGeom prst="rect">
+              <a:avLst/>
+            </a:prstGeom>
+            <a:grpFill/>
+            <a:ln w="0">
+              <a:noFill/>
+              <a:prstDash val="solid"/>
+              <a:miter lim="800000"/>
+              <a:headEnd/>
+              <a:tailEnd/>
+            </a:ln>
+          </p:spPr>
+          <p:txBody>
+            <a:bodyPr vert="horz" wrap="square" lIns="91440" tIns="45720" rIns="91440" bIns="45720" numCol="1" anchor="t" anchorCtr="0" compatLnSpc="1">
+              <a:prstTxWarp prst="textNoShape">
+                <a:avLst/>
+              </a:prstTxWarp>
+            </a:bodyPr>
+            <a:lstStyle/>
+            <a:p>
+              <a:endParaRPr lang="en-GB"/>
+            </a:p>
+          </p:txBody>
+        </p:sp>
+        <p:sp>
+          <p:nvSpPr>
+            <p:cNvPr id="11" name="Rectangle 689"/>
+            <p:cNvSpPr>
+              <a:spLocks noChangeArrowheads="1"/>
+            </p:cNvSpPr>
+            <p:nvPr/>
+          </p:nvSpPr>
+          <p:spPr bwMode="auto">
+            <a:xfrm>
+              <a:off x="5448300" y="5043488"/>
+              <a:ext cx="39688" cy="873125"/>
+            </a:xfrm>
+            <a:prstGeom prst="rect">
+              <a:avLst/>
+            </a:prstGeom>
+            <a:grpFill/>
+            <a:ln w="0">
+              <a:noFill/>
+              <a:prstDash val="solid"/>
+              <a:miter lim="800000"/>
+              <a:headEnd/>
+              <a:tailEnd/>
+            </a:ln>
+          </p:spPr>
+          <p:txBody>
+            <a:bodyPr vert="horz" wrap="square" lIns="91440" tIns="45720" rIns="91440" bIns="45720" numCol="1" anchor="t" anchorCtr="0" compatLnSpc="1">
+              <a:prstTxWarp prst="textNoShape">
+                <a:avLst/>
+              </a:prstTxWarp>
+            </a:bodyPr>
+            <a:lstStyle/>
+            <a:p>
+              <a:endParaRPr lang="en-GB"/>
+            </a:p>
+          </p:txBody>
+        </p:sp>
+        <p:sp>
+          <p:nvSpPr>
+            <p:cNvPr id="12" name="Rectangle 690"/>
+            <p:cNvSpPr>
+              <a:spLocks noChangeArrowheads="1"/>
+            </p:cNvSpPr>
+            <p:nvPr/>
+          </p:nvSpPr>
+          <p:spPr bwMode="auto">
+            <a:xfrm>
+              <a:off x="6057900" y="5043488"/>
+              <a:ext cx="39688" cy="873125"/>
+            </a:xfrm>
+            <a:prstGeom prst="rect">
+              <a:avLst/>
+            </a:prstGeom>
+            <a:grpFill/>
+            <a:ln w="0">
+              <a:noFill/>
+              <a:prstDash val="solid"/>
+              <a:miter lim="800000"/>
+              <a:headEnd/>
+              <a:tailEnd/>
+            </a:ln>
+          </p:spPr>
+          <p:txBody>
+            <a:bodyPr vert="horz" wrap="square" lIns="91440" tIns="45720" rIns="91440" bIns="45720" numCol="1" anchor="t" anchorCtr="0" compatLnSpc="1">
+              <a:prstTxWarp prst="textNoShape">
+                <a:avLst/>
+              </a:prstTxWarp>
+            </a:bodyPr>
+            <a:lstStyle/>
+            <a:p>
+              <a:endParaRPr lang="en-GB"/>
+            </a:p>
+          </p:txBody>
+        </p:sp>
+        <p:sp>
+          <p:nvSpPr>
+            <p:cNvPr id="13" name="Freeform 691"/>
+            <p:cNvSpPr>
+              <a:spLocks/>
+            </p:cNvSpPr>
+            <p:nvPr/>
+          </p:nvSpPr>
+          <p:spPr bwMode="auto">
+            <a:xfrm>
+              <a:off x="5557838" y="5505450"/>
+              <a:ext cx="169863" cy="311150"/>
+            </a:xfrm>
+            <a:custGeom>
+              <a:avLst/>
+              <a:gdLst/>
+              <a:ahLst/>
+              <a:cxnLst>
+                <a:cxn ang="0">
+                  <a:pos x="154" y="215"/>
+                </a:cxn>
+                <a:cxn ang="0">
+                  <a:pos x="211" y="407"/>
+                </a:cxn>
+                <a:cxn ang="0">
+                  <a:pos x="134" y="407"/>
+                </a:cxn>
+                <a:cxn ang="0">
+                  <a:pos x="111" y="328"/>
+                </a:cxn>
+                <a:cxn ang="0">
+                  <a:pos x="89" y="403"/>
+                </a:cxn>
+                <a:cxn ang="0">
+                  <a:pos x="12" y="403"/>
+                </a:cxn>
+                <a:cxn ang="0">
+                  <a:pos x="68" y="215"/>
+                </a:cxn>
+                <a:cxn ang="0">
+                  <a:pos x="0" y="112"/>
+                </a:cxn>
+                <a:cxn ang="0">
+                  <a:pos x="111" y="0"/>
+                </a:cxn>
+                <a:cxn ang="0">
+                  <a:pos x="223" y="112"/>
+                </a:cxn>
+                <a:cxn ang="0">
+                  <a:pos x="154" y="215"/>
+                </a:cxn>
+              </a:cxnLst>
+              <a:rect l="0" t="0" r="r" b="b"/>
+              <a:pathLst>
+                <a:path w="223" h="407">
+                  <a:moveTo>
+                    <a:pt x="154" y="215"/>
+                  </a:moveTo>
+                  <a:lnTo>
+                    <a:pt x="211" y="407"/>
+                  </a:lnTo>
+                  <a:lnTo>
+                    <a:pt x="134" y="407"/>
+                  </a:lnTo>
+                  <a:lnTo>
+                    <a:pt x="111" y="328"/>
+                  </a:lnTo>
+                  <a:lnTo>
+                    <a:pt x="89" y="403"/>
+                  </a:lnTo>
+                  <a:lnTo>
+                    <a:pt x="12" y="403"/>
+                  </a:lnTo>
+                  <a:lnTo>
+                    <a:pt x="68" y="215"/>
+                  </a:lnTo>
+                  <a:cubicBezTo>
+                    <a:pt x="28" y="198"/>
+                    <a:pt x="0" y="158"/>
+                    <a:pt x="0" y="112"/>
+                  </a:cubicBezTo>
+                  <a:cubicBezTo>
+                    <a:pt x="0" y="50"/>
+                    <a:pt x="50" y="0"/>
+                    <a:pt x="111" y="0"/>
+                  </a:cubicBezTo>
+                  <a:cubicBezTo>
+                    <a:pt x="173" y="0"/>
+                    <a:pt x="223" y="50"/>
+                    <a:pt x="223" y="112"/>
+                  </a:cubicBezTo>
+                  <a:cubicBezTo>
+                    <a:pt x="223" y="158"/>
+                    <a:pt x="194" y="198"/>
+                    <a:pt x="154" y="215"/>
+                  </a:cubicBezTo>
+                  <a:close/>
+                </a:path>
+              </a:pathLst>
+            </a:custGeom>
+            <a:grpFill/>
+            <a:ln w="0">
+              <a:noFill/>
+              <a:prstDash val="solid"/>
+              <a:round/>
+              <a:headEnd/>
+              <a:tailEnd/>
+            </a:ln>
+          </p:spPr>
+          <p:txBody>
+            <a:bodyPr vert="horz" wrap="square" lIns="91440" tIns="45720" rIns="91440" bIns="45720" numCol="1" anchor="t" anchorCtr="0" compatLnSpc="1">
+              <a:prstTxWarp prst="textNoShape">
+                <a:avLst/>
+              </a:prstTxWarp>
+            </a:bodyPr>
+            <a:lstStyle/>
+            <a:p>
+              <a:endParaRPr lang="en-GB"/>
+            </a:p>
+          </p:txBody>
+        </p:sp>
+        <p:sp>
+          <p:nvSpPr>
+            <p:cNvPr id="14" name="Rectangle 692"/>
+            <p:cNvSpPr>
+              <a:spLocks noChangeArrowheads="1"/>
+            </p:cNvSpPr>
+            <p:nvPr/>
+          </p:nvSpPr>
+          <p:spPr bwMode="auto">
+            <a:xfrm>
+              <a:off x="5622925" y="5043488"/>
+              <a:ext cx="39688" cy="431800"/>
+            </a:xfrm>
+            <a:prstGeom prst="rect">
+              <a:avLst/>
+            </a:prstGeom>
+            <a:grpFill/>
+            <a:ln w="0">
+              <a:noFill/>
+              <a:prstDash val="solid"/>
+              <a:miter lim="800000"/>
+              <a:headEnd/>
+              <a:tailEnd/>
+            </a:ln>
+          </p:spPr>
+          <p:txBody>
+            <a:bodyPr vert="horz" wrap="square" lIns="91440" tIns="45720" rIns="91440" bIns="45720" numCol="1" anchor="t" anchorCtr="0" compatLnSpc="1">
+              <a:prstTxWarp prst="textNoShape">
+                <a:avLst/>
+              </a:prstTxWarp>
+            </a:bodyPr>
+            <a:lstStyle/>
+            <a:p>
+              <a:endParaRPr lang="en-GB"/>
+            </a:p>
+          </p:txBody>
+        </p:sp>
+        <p:sp>
+          <p:nvSpPr>
+            <p:cNvPr id="15" name="Rectangle 693"/>
+            <p:cNvSpPr>
+              <a:spLocks noChangeArrowheads="1"/>
+            </p:cNvSpPr>
+            <p:nvPr/>
+          </p:nvSpPr>
+          <p:spPr bwMode="auto">
+            <a:xfrm>
+              <a:off x="5622925" y="5851525"/>
+              <a:ext cx="39688" cy="65088"/>
+            </a:xfrm>
+            <a:prstGeom prst="rect">
+              <a:avLst/>
+            </a:prstGeom>
+            <a:grpFill/>
+            <a:ln w="0">
+              <a:noFill/>
+              <a:prstDash val="solid"/>
+              <a:miter lim="800000"/>
+              <a:headEnd/>
+              <a:tailEnd/>
+            </a:ln>
+          </p:spPr>
+          <p:txBody>
+            <a:bodyPr vert="horz" wrap="square" lIns="91440" tIns="45720" rIns="91440" bIns="45720" numCol="1" anchor="t" anchorCtr="0" compatLnSpc="1">
+              <a:prstTxWarp prst="textNoShape">
+                <a:avLst/>
+              </a:prstTxWarp>
+            </a:bodyPr>
+            <a:lstStyle/>
+            <a:p>
+              <a:endParaRPr lang="en-GB"/>
+            </a:p>
+          </p:txBody>
+        </p:sp>
+        <p:sp>
+          <p:nvSpPr>
+            <p:cNvPr id="16" name="Rectangle 694"/>
+            <p:cNvSpPr>
+              <a:spLocks noChangeArrowheads="1"/>
+            </p:cNvSpPr>
+            <p:nvPr/>
+          </p:nvSpPr>
+          <p:spPr bwMode="auto">
+            <a:xfrm>
+              <a:off x="5448300" y="5003800"/>
+              <a:ext cx="649288" cy="39688"/>
+            </a:xfrm>
+            <a:prstGeom prst="rect">
+              <a:avLst/>
+            </a:prstGeom>
+            <a:grpFill/>
+            <a:ln w="0">
+              <a:noFill/>
+              <a:prstDash val="solid"/>
+              <a:miter lim="800000"/>
+              <a:headEnd/>
+              <a:tailEnd/>
+            </a:ln>
+          </p:spPr>
+          <p:txBody>
+            <a:bodyPr vert="horz" wrap="square" lIns="91440" tIns="45720" rIns="91440" bIns="45720" numCol="1" anchor="t" anchorCtr="0" compatLnSpc="1">
+              <a:prstTxWarp prst="textNoShape">
+                <a:avLst/>
+              </a:prstTxWarp>
+            </a:bodyPr>
+            <a:lstStyle/>
+            <a:p>
+              <a:endParaRPr lang="en-GB"/>
+            </a:p>
+          </p:txBody>
+        </p:sp>
+        <p:sp>
+          <p:nvSpPr>
+            <p:cNvPr id="17" name="Rectangle 695"/>
+            <p:cNvSpPr>
+              <a:spLocks noChangeArrowheads="1"/>
+            </p:cNvSpPr>
+            <p:nvPr/>
+          </p:nvSpPr>
+          <p:spPr bwMode="auto">
+            <a:xfrm>
+              <a:off x="5448300" y="5916613"/>
+              <a:ext cx="649288" cy="39688"/>
+            </a:xfrm>
+            <a:prstGeom prst="rect">
+              <a:avLst/>
+            </a:prstGeom>
+            <a:grpFill/>
+            <a:ln w="0">
+              <a:noFill/>
+              <a:prstDash val="solid"/>
+              <a:miter lim="800000"/>
+              <a:headEnd/>
+              <a:tailEnd/>
+            </a:ln>
+          </p:spPr>
+          <p:txBody>
+            <a:bodyPr vert="horz" wrap="square" lIns="91440" tIns="45720" rIns="91440" bIns="45720" numCol="1" anchor="t" anchorCtr="0" compatLnSpc="1">
+              <a:prstTxWarp prst="textNoShape">
+                <a:avLst/>
+              </a:prstTxWarp>
+            </a:bodyPr>
+            <a:lstStyle/>
+            <a:p>
+              <a:endParaRPr lang="en-GB"/>
+            </a:p>
+          </p:txBody>
+        </p:sp>
+        <p:sp>
+          <p:nvSpPr>
+            <p:cNvPr id="18" name="Rectangle 696"/>
+            <p:cNvSpPr>
+              <a:spLocks noChangeArrowheads="1"/>
+            </p:cNvSpPr>
+            <p:nvPr/>
+          </p:nvSpPr>
+          <p:spPr bwMode="auto">
+            <a:xfrm>
+              <a:off x="5448300" y="5043488"/>
+              <a:ext cx="39688" cy="873125"/>
+            </a:xfrm>
+            <a:prstGeom prst="rect">
+              <a:avLst/>
+            </a:prstGeom>
+            <a:grpFill/>
+            <a:ln w="0">
+              <a:noFill/>
+              <a:prstDash val="solid"/>
+              <a:miter lim="800000"/>
+              <a:headEnd/>
+              <a:tailEnd/>
+            </a:ln>
+          </p:spPr>
+          <p:txBody>
+            <a:bodyPr vert="horz" wrap="square" lIns="91440" tIns="45720" rIns="91440" bIns="45720" numCol="1" anchor="t" anchorCtr="0" compatLnSpc="1">
+              <a:prstTxWarp prst="textNoShape">
+                <a:avLst/>
+              </a:prstTxWarp>
+            </a:bodyPr>
+            <a:lstStyle/>
+            <a:p>
+              <a:endParaRPr lang="en-GB"/>
+            </a:p>
+          </p:txBody>
+        </p:sp>
+        <p:sp>
+          <p:nvSpPr>
+            <p:cNvPr id="19" name="Rectangle 697"/>
+            <p:cNvSpPr>
+              <a:spLocks noChangeArrowheads="1"/>
+            </p:cNvSpPr>
+            <p:nvPr/>
+          </p:nvSpPr>
+          <p:spPr bwMode="auto">
+            <a:xfrm>
+              <a:off x="6057900" y="5043488"/>
+              <a:ext cx="39688" cy="873125"/>
+            </a:xfrm>
+            <a:prstGeom prst="rect">
+              <a:avLst/>
+            </a:prstGeom>
+            <a:grpFill/>
+            <a:ln w="0">
+              <a:noFill/>
+              <a:prstDash val="solid"/>
+              <a:miter lim="800000"/>
+              <a:headEnd/>
+              <a:tailEnd/>
+            </a:ln>
+          </p:spPr>
+          <p:txBody>
+            <a:bodyPr vert="horz" wrap="square" lIns="91440" tIns="45720" rIns="91440" bIns="45720" numCol="1" anchor="t" anchorCtr="0" compatLnSpc="1">
+              <a:prstTxWarp prst="textNoShape">
+                <a:avLst/>
+              </a:prstTxWarp>
+            </a:bodyPr>
+            <a:lstStyle/>
+            <a:p>
+              <a:endParaRPr lang="en-GB"/>
+            </a:p>
+          </p:txBody>
+        </p:sp>
+        <p:sp>
+          <p:nvSpPr>
+            <p:cNvPr id="20" name="Freeform 698"/>
+            <p:cNvSpPr>
+              <a:spLocks/>
+            </p:cNvSpPr>
+            <p:nvPr/>
+          </p:nvSpPr>
+          <p:spPr bwMode="auto">
+            <a:xfrm>
+              <a:off x="5557838" y="5505450"/>
+              <a:ext cx="169863" cy="311150"/>
+            </a:xfrm>
+            <a:custGeom>
+              <a:avLst/>
+              <a:gdLst/>
+              <a:ahLst/>
+              <a:cxnLst>
+                <a:cxn ang="0">
+                  <a:pos x="154" y="215"/>
+                </a:cxn>
+                <a:cxn ang="0">
+                  <a:pos x="211" y="407"/>
+                </a:cxn>
+                <a:cxn ang="0">
+                  <a:pos x="134" y="407"/>
+                </a:cxn>
+                <a:cxn ang="0">
+                  <a:pos x="111" y="328"/>
+                </a:cxn>
+                <a:cxn ang="0">
+                  <a:pos x="89" y="403"/>
+                </a:cxn>
+                <a:cxn ang="0">
+                  <a:pos x="12" y="403"/>
+                </a:cxn>
+                <a:cxn ang="0">
+                  <a:pos x="68" y="215"/>
+                </a:cxn>
+                <a:cxn ang="0">
+                  <a:pos x="0" y="112"/>
+                </a:cxn>
+                <a:cxn ang="0">
+                  <a:pos x="111" y="0"/>
+                </a:cxn>
+                <a:cxn ang="0">
+                  <a:pos x="223" y="112"/>
+                </a:cxn>
+                <a:cxn ang="0">
+                  <a:pos x="154" y="215"/>
+                </a:cxn>
+              </a:cxnLst>
+              <a:rect l="0" t="0" r="r" b="b"/>
+              <a:pathLst>
+                <a:path w="223" h="407">
+                  <a:moveTo>
+                    <a:pt x="154" y="215"/>
+                  </a:moveTo>
+                  <a:lnTo>
+                    <a:pt x="211" y="407"/>
+                  </a:lnTo>
+                  <a:lnTo>
+                    <a:pt x="134" y="407"/>
+                  </a:lnTo>
+                  <a:lnTo>
+                    <a:pt x="111" y="328"/>
+                  </a:lnTo>
+                  <a:lnTo>
+                    <a:pt x="89" y="403"/>
+                  </a:lnTo>
+                  <a:lnTo>
+                    <a:pt x="12" y="403"/>
+                  </a:lnTo>
+                  <a:lnTo>
+                    <a:pt x="68" y="215"/>
+                  </a:lnTo>
+                  <a:cubicBezTo>
+                    <a:pt x="28" y="198"/>
+                    <a:pt x="0" y="158"/>
+                    <a:pt x="0" y="112"/>
+                  </a:cubicBezTo>
+                  <a:cubicBezTo>
+                    <a:pt x="0" y="50"/>
+                    <a:pt x="50" y="0"/>
+                    <a:pt x="111" y="0"/>
+                  </a:cubicBezTo>
+                  <a:cubicBezTo>
+                    <a:pt x="173" y="0"/>
+                    <a:pt x="223" y="50"/>
+                    <a:pt x="223" y="112"/>
+                  </a:cubicBezTo>
+                  <a:cubicBezTo>
+                    <a:pt x="223" y="158"/>
+                    <a:pt x="194" y="198"/>
+                    <a:pt x="154" y="215"/>
+                  </a:cubicBezTo>
+                  <a:close/>
+                </a:path>
+              </a:pathLst>
+            </a:custGeom>
+            <a:grpFill/>
+            <a:ln w="0">
+              <a:noFill/>
+              <a:prstDash val="solid"/>
+              <a:round/>
+              <a:headEnd/>
+              <a:tailEnd/>
+            </a:ln>
+          </p:spPr>
+          <p:txBody>
+            <a:bodyPr vert="horz" wrap="square" lIns="91440" tIns="45720" rIns="91440" bIns="45720" numCol="1" anchor="t" anchorCtr="0" compatLnSpc="1">
+              <a:prstTxWarp prst="textNoShape">
+                <a:avLst/>
+              </a:prstTxWarp>
+            </a:bodyPr>
+            <a:lstStyle/>
+            <a:p>
+              <a:endParaRPr lang="en-GB"/>
+            </a:p>
+          </p:txBody>
+        </p:sp>
+      </p:grpSp>
+      <p:sp>
+        <p:nvSpPr>
+          <p:cNvPr id="22" name="Freeform 14"/>
+          <p:cNvSpPr>
+            <a:spLocks noEditPoints="1"/>
+          </p:cNvSpPr>
+          <p:nvPr/>
+        </p:nvSpPr>
+        <p:spPr bwMode="auto">
+          <a:xfrm>
+            <a:off x="7227792" y="3818525"/>
+            <a:ext cx="942577" cy="939746"/>
+          </a:xfrm>
+          <a:custGeom>
+            <a:avLst/>
+            <a:gdLst/>
+            <a:ahLst/>
+            <a:cxnLst>
+              <a:cxn ang="0">
+                <a:pos x="13" y="0"/>
+              </a:cxn>
+              <a:cxn ang="0">
+                <a:pos x="0" y="13"/>
+              </a:cxn>
+              <a:cxn ang="0">
+                <a:pos x="13" y="26"/>
+              </a:cxn>
+              <a:cxn ang="0">
+                <a:pos x="26" y="13"/>
+              </a:cxn>
+              <a:cxn ang="0">
+                <a:pos x="13" y="0"/>
+              </a:cxn>
+              <a:cxn ang="0">
+                <a:pos x="13" y="24"/>
+              </a:cxn>
+              <a:cxn ang="0">
+                <a:pos x="2" y="13"/>
+              </a:cxn>
+              <a:cxn ang="0">
+                <a:pos x="13" y="2"/>
+              </a:cxn>
+              <a:cxn ang="0">
+                <a:pos x="24" y="13"/>
+              </a:cxn>
+              <a:cxn ang="0">
+                <a:pos x="13" y="24"/>
+              </a:cxn>
+            </a:cxnLst>
+            <a:rect l="0" t="0" r="r" b="b"/>
+            <a:pathLst>
+              <a:path w="26" h="26">
+                <a:moveTo>
+                  <a:pt x="13" y="0"/>
+                </a:moveTo>
+                <a:cubicBezTo>
+                  <a:pt x="6" y="0"/>
+                  <a:pt x="0" y="6"/>
+                  <a:pt x="0" y="13"/>
+                </a:cubicBezTo>
+                <a:cubicBezTo>
+                  <a:pt x="0" y="20"/>
+                  <a:pt x="6" y="26"/>
+                  <a:pt x="13" y="26"/>
+                </a:cubicBezTo>
+                <a:cubicBezTo>
+                  <a:pt x="20" y="26"/>
+                  <a:pt x="26" y="20"/>
+                  <a:pt x="26" y="13"/>
+                </a:cubicBezTo>
+                <a:cubicBezTo>
+                  <a:pt x="26" y="6"/>
+                  <a:pt x="20" y="0"/>
+                  <a:pt x="13" y="0"/>
+                </a:cubicBezTo>
+                <a:close/>
+                <a:moveTo>
+                  <a:pt x="13" y="24"/>
+                </a:moveTo>
+                <a:cubicBezTo>
+                  <a:pt x="7" y="24"/>
+                  <a:pt x="2" y="19"/>
+                  <a:pt x="2" y="13"/>
+                </a:cubicBezTo>
+                <a:cubicBezTo>
+                  <a:pt x="2" y="7"/>
+                  <a:pt x="7" y="2"/>
+                  <a:pt x="13" y="2"/>
+                </a:cubicBezTo>
+                <a:cubicBezTo>
+                  <a:pt x="19" y="2"/>
+                  <a:pt x="24" y="7"/>
+                  <a:pt x="24" y="13"/>
+                </a:cubicBezTo>
+                <a:cubicBezTo>
+                  <a:pt x="24" y="19"/>
+                  <a:pt x="19" y="24"/>
+                  <a:pt x="13" y="24"/>
+                </a:cubicBezTo>
+                <a:close/>
+              </a:path>
+            </a:pathLst>
+          </a:custGeom>
+          <a:solidFill>
+            <a:srgbClr val="335B74"/>
+          </a:solidFill>
+          <a:ln w="9525">
+            <a:noFill/>
+            <a:round/>
+            <a:headEnd/>
+            <a:tailEnd/>
+          </a:ln>
+        </p:spPr>
+        <p:txBody>
+          <a:bodyPr vert="horz" wrap="square" lIns="91440" tIns="45720" rIns="91440" bIns="45720" numCol="1" anchor="t" anchorCtr="0" compatLnSpc="1">
+            <a:prstTxWarp prst="textNoShape">
+              <a:avLst/>
+            </a:prstTxWarp>
+          </a:bodyPr>
+          <a:lstStyle/>
+          <a:p>
+            <a:endParaRPr lang="en-GB"/>
+          </a:p>
+        </p:txBody>
+      </p:sp>
+      <p:sp>
+        <p:nvSpPr>
+          <p:cNvPr id="23" name="Freeform 15"/>
+          <p:cNvSpPr>
+            <a:spLocks/>
+          </p:cNvSpPr>
+          <p:nvPr/>
+        </p:nvSpPr>
+        <p:spPr bwMode="auto">
+          <a:xfrm>
+            <a:off x="7603993" y="3977140"/>
+            <a:ext cx="360689" cy="587004"/>
+          </a:xfrm>
+          <a:custGeom>
+            <a:avLst/>
+            <a:gdLst/>
+            <a:ahLst/>
+            <a:cxnLst>
+              <a:cxn ang="0">
+                <a:pos x="25" y="0"/>
+              </a:cxn>
+              <a:cxn ang="0">
+                <a:pos x="0" y="0"/>
+              </a:cxn>
+              <a:cxn ang="0">
+                <a:pos x="0" y="102"/>
+              </a:cxn>
+              <a:cxn ang="0">
+                <a:pos x="89" y="166"/>
+              </a:cxn>
+              <a:cxn ang="0">
+                <a:pos x="102" y="140"/>
+              </a:cxn>
+              <a:cxn ang="0">
+                <a:pos x="25" y="89"/>
+              </a:cxn>
+              <a:cxn ang="0">
+                <a:pos x="25" y="0"/>
+              </a:cxn>
+            </a:cxnLst>
+            <a:rect l="0" t="0" r="r" b="b"/>
+            <a:pathLst>
+              <a:path w="102" h="166">
+                <a:moveTo>
+                  <a:pt x="25" y="0"/>
+                </a:moveTo>
+                <a:lnTo>
+                  <a:pt x="0" y="0"/>
+                </a:lnTo>
+                <a:lnTo>
+                  <a:pt x="0" y="102"/>
+                </a:lnTo>
+                <a:lnTo>
+                  <a:pt x="89" y="166"/>
+                </a:lnTo>
+                <a:lnTo>
+                  <a:pt x="102" y="140"/>
+                </a:lnTo>
+                <a:lnTo>
+                  <a:pt x="25" y="89"/>
+                </a:lnTo>
+                <a:lnTo>
+                  <a:pt x="25" y="0"/>
+                </a:lnTo>
+                <a:close/>
+              </a:path>
+            </a:pathLst>
+          </a:custGeom>
+          <a:solidFill>
+            <a:srgbClr val="335B74"/>
+          </a:solidFill>
+          <a:ln w="9525">
+            <a:noFill/>
+            <a:round/>
+            <a:headEnd/>
+            <a:tailEnd/>
+          </a:ln>
+        </p:spPr>
+        <p:txBody>
+          <a:bodyPr vert="horz" wrap="square" lIns="91440" tIns="45720" rIns="91440" bIns="45720" numCol="1" anchor="t" anchorCtr="0" compatLnSpc="1">
+            <a:prstTxWarp prst="textNoShape">
+              <a:avLst/>
+            </a:prstTxWarp>
+          </a:bodyPr>
+          <a:lstStyle/>
+          <a:p>
+            <a:endParaRPr lang="en-GB"/>
+          </a:p>
+        </p:txBody>
+      </p:sp>
+      <p:sp>
+        <p:nvSpPr>
+          <p:cNvPr id="24" name="Freeform 19"/>
+          <p:cNvSpPr>
+            <a:spLocks noEditPoints="1"/>
+          </p:cNvSpPr>
+          <p:nvPr/>
+        </p:nvSpPr>
+        <p:spPr bwMode="auto">
+          <a:xfrm>
+            <a:off x="7745184" y="2524465"/>
+            <a:ext cx="689978" cy="770618"/>
+          </a:xfrm>
+          <a:custGeom>
+            <a:avLst/>
+            <a:gdLst/>
+            <a:ahLst/>
+            <a:cxnLst>
+              <a:cxn ang="0">
+                <a:pos x="19" y="15"/>
+              </a:cxn>
+              <a:cxn ang="0">
+                <a:pos x="12" y="15"/>
+              </a:cxn>
+              <a:cxn ang="0">
+                <a:pos x="12" y="22"/>
+              </a:cxn>
+              <a:cxn ang="0">
+                <a:pos x="19" y="22"/>
+              </a:cxn>
+              <a:cxn ang="0">
+                <a:pos x="19" y="15"/>
+              </a:cxn>
+              <a:cxn ang="0">
+                <a:pos x="17" y="0"/>
+              </a:cxn>
+              <a:cxn ang="0">
+                <a:pos x="17" y="3"/>
+              </a:cxn>
+              <a:cxn ang="0">
+                <a:pos x="7" y="3"/>
+              </a:cxn>
+              <a:cxn ang="0">
+                <a:pos x="7" y="0"/>
+              </a:cxn>
+              <a:cxn ang="0">
+                <a:pos x="4" y="0"/>
+              </a:cxn>
+              <a:cxn ang="0">
+                <a:pos x="4" y="3"/>
+              </a:cxn>
+              <a:cxn ang="0">
+                <a:pos x="3" y="3"/>
+              </a:cxn>
+              <a:cxn ang="0">
+                <a:pos x="0" y="6"/>
+              </a:cxn>
+              <a:cxn ang="0">
+                <a:pos x="0" y="24"/>
+              </a:cxn>
+              <a:cxn ang="0">
+                <a:pos x="3" y="27"/>
+              </a:cxn>
+              <a:cxn ang="0">
+                <a:pos x="21" y="27"/>
+              </a:cxn>
+              <a:cxn ang="0">
+                <a:pos x="24" y="24"/>
+              </a:cxn>
+              <a:cxn ang="0">
+                <a:pos x="24" y="6"/>
+              </a:cxn>
+              <a:cxn ang="0">
+                <a:pos x="21" y="3"/>
+              </a:cxn>
+              <a:cxn ang="0">
+                <a:pos x="20" y="3"/>
+              </a:cxn>
+              <a:cxn ang="0">
+                <a:pos x="20" y="0"/>
+              </a:cxn>
+              <a:cxn ang="0">
+                <a:pos x="17" y="0"/>
+              </a:cxn>
+              <a:cxn ang="0">
+                <a:pos x="21" y="24"/>
+              </a:cxn>
+              <a:cxn ang="0">
+                <a:pos x="3" y="24"/>
+              </a:cxn>
+              <a:cxn ang="0">
+                <a:pos x="3" y="10"/>
+              </a:cxn>
+              <a:cxn ang="0">
+                <a:pos x="21" y="10"/>
+              </a:cxn>
+              <a:cxn ang="0">
+                <a:pos x="21" y="24"/>
+              </a:cxn>
+            </a:cxnLst>
+            <a:rect l="0" t="0" r="r" b="b"/>
+            <a:pathLst>
+              <a:path w="24" h="27">
+                <a:moveTo>
+                  <a:pt x="19" y="15"/>
+                </a:moveTo>
+                <a:cubicBezTo>
+                  <a:pt x="12" y="15"/>
+                  <a:pt x="12" y="15"/>
+                  <a:pt x="12" y="15"/>
+                </a:cubicBezTo>
+                <a:cubicBezTo>
+                  <a:pt x="12" y="22"/>
+                  <a:pt x="12" y="22"/>
+                  <a:pt x="12" y="22"/>
+                </a:cubicBezTo>
+                <a:cubicBezTo>
+                  <a:pt x="19" y="22"/>
+                  <a:pt x="19" y="22"/>
+                  <a:pt x="19" y="22"/>
+                </a:cubicBezTo>
+                <a:lnTo>
+                  <a:pt x="19" y="15"/>
+                </a:lnTo>
+                <a:close/>
+                <a:moveTo>
+                  <a:pt x="17" y="0"/>
+                </a:moveTo>
+                <a:cubicBezTo>
+                  <a:pt x="17" y="3"/>
+                  <a:pt x="17" y="3"/>
+                  <a:pt x="17" y="3"/>
+                </a:cubicBezTo>
+                <a:cubicBezTo>
+                  <a:pt x="7" y="3"/>
+                  <a:pt x="7" y="3"/>
+                  <a:pt x="7" y="3"/>
+                </a:cubicBezTo>
+                <a:cubicBezTo>
+                  <a:pt x="7" y="0"/>
+                  <a:pt x="7" y="0"/>
+                  <a:pt x="7" y="0"/>
+                </a:cubicBezTo>
+                <a:cubicBezTo>
+                  <a:pt x="4" y="0"/>
+                  <a:pt x="4" y="0"/>
+                  <a:pt x="4" y="0"/>
+                </a:cubicBezTo>
+                <a:cubicBezTo>
+                  <a:pt x="4" y="3"/>
+                  <a:pt x="4" y="3"/>
+                  <a:pt x="4" y="3"/>
+                </a:cubicBezTo>
+                <a:cubicBezTo>
+                  <a:pt x="3" y="3"/>
+                  <a:pt x="3" y="3"/>
+                  <a:pt x="3" y="3"/>
+                </a:cubicBezTo>
+                <a:cubicBezTo>
+                  <a:pt x="1" y="3"/>
+                  <a:pt x="0" y="4"/>
+                  <a:pt x="0" y="6"/>
+                </a:cubicBezTo>
+                <a:cubicBezTo>
+                  <a:pt x="0" y="24"/>
+                  <a:pt x="0" y="24"/>
+                  <a:pt x="0" y="24"/>
+                </a:cubicBezTo>
+                <a:cubicBezTo>
+                  <a:pt x="0" y="26"/>
+                  <a:pt x="1" y="27"/>
+                  <a:pt x="3" y="27"/>
+                </a:cubicBezTo>
+                <a:cubicBezTo>
+                  <a:pt x="21" y="27"/>
+                  <a:pt x="21" y="27"/>
+                  <a:pt x="21" y="27"/>
+                </a:cubicBezTo>
+                <a:cubicBezTo>
+                  <a:pt x="23" y="27"/>
+                  <a:pt x="24" y="26"/>
+                  <a:pt x="24" y="24"/>
+                </a:cubicBezTo>
+                <a:cubicBezTo>
+                  <a:pt x="24" y="6"/>
+                  <a:pt x="24" y="6"/>
+                  <a:pt x="24" y="6"/>
+                </a:cubicBezTo>
+                <a:cubicBezTo>
+                  <a:pt x="24" y="4"/>
+                  <a:pt x="23" y="3"/>
+                  <a:pt x="21" y="3"/>
+                </a:cubicBezTo>
+                <a:cubicBezTo>
+                  <a:pt x="20" y="3"/>
+                  <a:pt x="20" y="3"/>
+                  <a:pt x="20" y="3"/>
+                </a:cubicBezTo>
+                <a:cubicBezTo>
+                  <a:pt x="20" y="0"/>
+                  <a:pt x="20" y="0"/>
+                  <a:pt x="20" y="0"/>
+                </a:cubicBezTo>
+                <a:lnTo>
+                  <a:pt x="17" y="0"/>
+                </a:lnTo>
+                <a:close/>
+                <a:moveTo>
+                  <a:pt x="21" y="24"/>
+                </a:moveTo>
+                <a:cubicBezTo>
+                  <a:pt x="3" y="24"/>
+                  <a:pt x="3" y="24"/>
+                  <a:pt x="3" y="24"/>
+                </a:cubicBezTo>
+                <a:cubicBezTo>
+                  <a:pt x="3" y="10"/>
+                  <a:pt x="3" y="10"/>
+                  <a:pt x="3" y="10"/>
+                </a:cubicBezTo>
+                <a:cubicBezTo>
+                  <a:pt x="21" y="10"/>
+                  <a:pt x="21" y="10"/>
+                  <a:pt x="21" y="10"/>
+                </a:cubicBezTo>
+                <a:lnTo>
+                  <a:pt x="21" y="24"/>
+                </a:lnTo>
+                <a:close/>
+              </a:path>
+            </a:pathLst>
+          </a:custGeom>
+          <a:solidFill>
+            <a:srgbClr val="335B74"/>
+          </a:solidFill>
+          <a:ln w="9525">
+            <a:noFill/>
+            <a:round/>
+            <a:headEnd/>
+            <a:tailEnd/>
+          </a:ln>
+        </p:spPr>
+        <p:txBody>
+          <a:bodyPr vert="horz" wrap="square" lIns="91440" tIns="45720" rIns="91440" bIns="45720" numCol="1" anchor="t" anchorCtr="0" compatLnSpc="1">
+            <a:prstTxWarp prst="textNoShape">
+              <a:avLst/>
+            </a:prstTxWarp>
+          </a:bodyPr>
+          <a:lstStyle/>
+          <a:p>
+            <a:endParaRPr lang="en-GB"/>
+          </a:p>
+        </p:txBody>
+      </p:sp>
+      <p:pic>
+        <p:nvPicPr>
+          <p:cNvPr id="25" name="Picture 24" descr="speech (1).png"/>
+          <p:cNvPicPr>
+            <a:picLocks noChangeAspect="1"/>
+          </p:cNvPicPr>
+          <p:nvPr/>
+        </p:nvPicPr>
+        <p:blipFill>
+          <a:blip r:embed="rId3">
+            <a:extLst>
+              <a:ext uri="{28A0092B-C50C-407E-A947-70E740481C1C}">
+                <a14:useLocalDpi xmlns:a14="http://schemas.microsoft.com/office/drawing/2010/main" val="0"/>
+              </a:ext>
+            </a:extLst>
+          </a:blip>
+          <a:stretch>
+            <a:fillRect/>
+          </a:stretch>
+        </p:blipFill>
+        <p:spPr>
+          <a:xfrm>
+            <a:off x="9957867" y="1865907"/>
+            <a:ext cx="1360343" cy="1360343"/>
+          </a:xfrm>
+          <a:prstGeom prst="rect">
+            <a:avLst/>
+          </a:prstGeom>
+        </p:spPr>
+      </p:pic>
+      <p:pic>
+        <p:nvPicPr>
+          <p:cNvPr id="26" name="Picture 25" descr="graduate-student-avatar.png"/>
+          <p:cNvPicPr>
+            <a:picLocks noChangeAspect="1"/>
+          </p:cNvPicPr>
+          <p:nvPr/>
+        </p:nvPicPr>
+        <p:blipFill>
+          <a:blip r:embed="rId4">
+            <a:extLst>
+              <a:ext uri="{28A0092B-C50C-407E-A947-70E740481C1C}">
+                <a14:useLocalDpi xmlns:a14="http://schemas.microsoft.com/office/drawing/2010/main" val="0"/>
+              </a:ext>
+            </a:extLst>
+          </a:blip>
+          <a:stretch>
+            <a:fillRect/>
+          </a:stretch>
+        </p:blipFill>
+        <p:spPr>
+          <a:xfrm>
+            <a:off x="1238602" y="1795189"/>
+            <a:ext cx="1425071" cy="1425071"/>
+          </a:xfrm>
+          <a:prstGeom prst="rect">
+            <a:avLst/>
+          </a:prstGeom>
+        </p:spPr>
+      </p:pic>
+      <p:sp>
+        <p:nvSpPr>
+          <p:cNvPr id="28" name="TextBox 27"/>
+          <p:cNvSpPr txBox="1"/>
+          <p:nvPr/>
+        </p:nvSpPr>
+        <p:spPr>
+          <a:xfrm>
+            <a:off x="1097495" y="3857258"/>
+            <a:ext cx="1561433" cy="369332"/>
+          </a:xfrm>
+          <a:prstGeom prst="rect">
+            <a:avLst/>
+          </a:prstGeom>
+          <a:noFill/>
+        </p:spPr>
+        <p:txBody>
+          <a:bodyPr wrap="none" rtlCol="0">
+            <a:spAutoFit/>
+          </a:bodyPr>
+          <a:lstStyle/>
+          <a:p>
+            <a:r>
+              <a:rPr lang="en-US" dirty="0" smtClean="0"/>
+              <a:t>609 </a:t>
+            </a:r>
+            <a:r>
+              <a:rPr lang="en-US" dirty="0" err="1" smtClean="0"/>
+              <a:t>studenten</a:t>
+            </a:r>
+            <a:endParaRPr lang="en-US" dirty="0"/>
+          </a:p>
+        </p:txBody>
+      </p:sp>
+      <p:sp>
+        <p:nvSpPr>
+          <p:cNvPr id="31" name="TextBox 30"/>
+          <p:cNvSpPr txBox="1"/>
+          <p:nvPr/>
+        </p:nvSpPr>
+        <p:spPr>
+          <a:xfrm>
+            <a:off x="3491922" y="4009658"/>
+            <a:ext cx="2056973" cy="2031325"/>
+          </a:xfrm>
+          <a:prstGeom prst="rect">
+            <a:avLst/>
+          </a:prstGeom>
+          <a:noFill/>
+        </p:spPr>
+        <p:txBody>
+          <a:bodyPr wrap="none" rtlCol="0">
+            <a:spAutoFit/>
+          </a:bodyPr>
+          <a:lstStyle/>
+          <a:p>
+            <a:r>
+              <a:rPr lang="en-US" dirty="0" smtClean="0"/>
+              <a:t>129 </a:t>
+            </a:r>
+            <a:r>
+              <a:rPr lang="en-US" dirty="0" err="1" smtClean="0"/>
+              <a:t>activiteiten</a:t>
+            </a:r>
+            <a:endParaRPr lang="en-US" smtClean="0"/>
+          </a:p>
+          <a:p>
+            <a:endParaRPr lang="en-US" smtClean="0"/>
+          </a:p>
+          <a:p>
+            <a:r>
+              <a:rPr lang="en-US" dirty="0" smtClean="0"/>
+              <a:t>29 </a:t>
+            </a:r>
+            <a:r>
+              <a:rPr lang="en-US" dirty="0" err="1" smtClean="0"/>
+              <a:t>vakken</a:t>
+            </a:r>
+            <a:r>
+              <a:rPr lang="en-US" dirty="0" smtClean="0"/>
+              <a:t>:</a:t>
+            </a:r>
+          </a:p>
+          <a:p>
+            <a:pPr marL="285750" indent="-285750">
+              <a:buFont typeface="Arial"/>
+              <a:buChar char="•"/>
+            </a:pPr>
+            <a:r>
+              <a:rPr lang="en-US" dirty="0" err="1" smtClean="0"/>
+              <a:t>Hoorcollege</a:t>
+            </a:r>
+            <a:r>
+              <a:rPr lang="en-US" dirty="0" smtClean="0"/>
+              <a:t> (39)</a:t>
+            </a:r>
+          </a:p>
+          <a:p>
+            <a:pPr marL="285750" indent="-285750">
+              <a:buFont typeface="Arial"/>
+              <a:buChar char="•"/>
+            </a:pPr>
+            <a:r>
+              <a:rPr lang="en-US" dirty="0" err="1" smtClean="0"/>
+              <a:t>Werkcollege</a:t>
+            </a:r>
+            <a:r>
+              <a:rPr lang="en-US" dirty="0" smtClean="0"/>
+              <a:t> (40)</a:t>
+            </a:r>
+          </a:p>
+          <a:p>
+            <a:pPr marL="285750" indent="-285750">
+              <a:buFont typeface="Arial"/>
+              <a:buChar char="•"/>
+            </a:pPr>
+            <a:r>
+              <a:rPr lang="en-US" dirty="0" smtClean="0"/>
+              <a:t>Practicum (50)</a:t>
+            </a:r>
+          </a:p>
+          <a:p>
+            <a:endParaRPr lang="en-US" dirty="0"/>
+          </a:p>
+        </p:txBody>
+      </p:sp>
+    </p:spTree>
+    <p:extLst>
+      <p:ext uri="{BB962C8B-B14F-4D97-AF65-F5344CB8AC3E}">
+        <p14:creationId xmlns:p14="http://schemas.microsoft.com/office/powerpoint/2010/main" val="84396703"/>
+      </p:ext>
+    </p:extLst>
+  </p:cSld>
+  <p:clrMapOvr>
+    <a:masterClrMapping/>
+  </p:clrMapOvr>
+  <p:timing>
+    <p:tnLst>
+      <p:par>
+        <p:cTn xmlns:p14="http://schemas.microsoft.com/office/powerpoint/2010/main" id="1" dur="indefinite" restart="never" nodeType="tmRoot"/>
+      </p:par>
+    </p:tnLst>
+  </p:timing>
+</p:sld>
+</file>
+
+<file path=ppt/slides/slide3.xml><?xml version="1.0" encoding="utf-8"?>
+<p:sld xmlns:a="http://schemas.openxmlformats.org/drawingml/2006/main" xmlns:r="http://schemas.openxmlformats.org/officeDocument/2006/relationships" xmlns:p="http://schemas.openxmlformats.org/presentationml/2006/main">
+  <p:cSld>
+    <p:spTree>
+      <p:nvGrpSpPr>
+        <p:cNvPr id="1" name=""/>
+        <p:cNvGrpSpPr/>
+        <p:nvPr/>
+      </p:nvGrpSpPr>
+      <p:grpSpPr>
+        <a:xfrm>
+          <a:off x="0" y="0"/>
+          <a:ext cx="0" cy="0"/>
+          <a:chOff x="0" y="0"/>
+          <a:chExt cx="0" cy="0"/>
+        </a:xfrm>
+      </p:grpSpPr>
+      <p:sp>
+        <p:nvSpPr>
+          <p:cNvPr id="2" name="Title 1">
+            <a:extLst>
+              <a:ext uri="{FF2B5EF4-FFF2-40B4-BE49-F238E27FC236}">
+                <a16:creationId xmlns:a16="http://schemas.microsoft.com/office/drawing/2014/main" xmlns="" id="{9786429D-A3FD-4545-A82A-7A300CE7816F}"/>
+              </a:ext>
+            </a:extLst>
+          </p:cNvPr>
+          <p:cNvSpPr>
+            <a:spLocks noGrp="1"/>
+          </p:cNvSpPr>
+          <p:nvPr>
+            <p:ph type="title"/>
+          </p:nvPr>
+        </p:nvSpPr>
+        <p:spPr/>
+        <p:txBody>
+          <a:bodyPr>
+            <a:normAutofit/>
+          </a:bodyPr>
+          <a:lstStyle/>
+          <a:p>
+            <a:r>
+              <a:rPr lang="nl-NL" dirty="0"/>
+              <a:t>Introductie: Gegevens</a:t>
+            </a:r>
+          </a:p>
+        </p:txBody>
+      </p:sp>
       <p:sp>
         <p:nvSpPr>
           <p:cNvPr id="3" name="Content Placeholder 2">
             <a:extLst>
               <a:ext uri="{FF2B5EF4-FFF2-40B4-BE49-F238E27FC236}">
-                <a16:creationId xmlns:a16="http://schemas.microsoft.com/office/drawing/2014/main" id="{8813E008-5B7D-426C-BE51-1EB75C5AE26D}"/>
+                <a16:creationId xmlns:a16="http://schemas.microsoft.com/office/drawing/2014/main" xmlns="" id="{8813E008-5B7D-426C-BE51-1EB75C5AE26D}"/>
               </a:ext>
             </a:extLst>
           </p:cNvPr>
@@ -9624,7 +11354,7 @@
           <p:cNvPr id="4" name="Right Brace 3">
             <a:extLst>
               <a:ext uri="{FF2B5EF4-FFF2-40B4-BE49-F238E27FC236}">
-                <a16:creationId xmlns:a16="http://schemas.microsoft.com/office/drawing/2014/main" id="{6E64EA35-C3BC-4000-9318-44F7982588DD}"/>
+                <a16:creationId xmlns:a16="http://schemas.microsoft.com/office/drawing/2014/main" xmlns="" id="{6E64EA35-C3BC-4000-9318-44F7982588DD}"/>
               </a:ext>
             </a:extLst>
           </p:cNvPr>
@@ -9675,17 +11405,24 @@
     </p:spTree>
     <p:extLst>
       <p:ext uri="{BB962C8B-B14F-4D97-AF65-F5344CB8AC3E}">
-        <p14:creationId xmlns:p14="http://schemas.microsoft.com/office/powerpoint/2010/main" val="84396703"/>
+        <p14:creationId xmlns:p14="http://schemas.microsoft.com/office/powerpoint/2010/main" val="4091013783"/>
       </p:ext>
     </p:extLst>
   </p:cSld>
   <p:clrMapOvr>
     <a:masterClrMapping/>
   </p:clrMapOvr>
+  <p:timing>
+    <p:tnLst>
+      <p:par>
+        <p:cTn xmlns:p14="http://schemas.microsoft.com/office/powerpoint/2010/main" id="1" dur="indefinite" restart="never" nodeType="tmRoot"/>
+      </p:par>
+    </p:tnLst>
+  </p:timing>
 </p:sld>
 </file>
 
-<file path=ppt/slides/slide3.xml><?xml version="1.0" encoding="utf-8"?>
+<file path=ppt/slides/slide4.xml><?xml version="1.0" encoding="utf-8"?>
 <p:sld xmlns:a="http://schemas.openxmlformats.org/drawingml/2006/main" xmlns:r="http://schemas.openxmlformats.org/officeDocument/2006/relationships" xmlns:p="http://schemas.openxmlformats.org/presentationml/2006/main">
   <p:cSld>
     <p:spTree>
@@ -9707,7 +11444,7 @@
           <p:cNvPr id="2" name="Title 1">
             <a:extLst>
               <a:ext uri="{FF2B5EF4-FFF2-40B4-BE49-F238E27FC236}">
-                <a16:creationId xmlns:a16="http://schemas.microsoft.com/office/drawing/2014/main" id="{460B92D0-C3FC-4816-BD32-0EB0C8AE980D}"/>
+                <a16:creationId xmlns:a16="http://schemas.microsoft.com/office/drawing/2014/main" xmlns="" id="{460B92D0-C3FC-4816-BD32-0EB0C8AE980D}"/>
               </a:ext>
             </a:extLst>
           </p:cNvPr>
@@ -9742,7 +11479,7 @@
           <p:cNvPr id="7" name="Content Placeholder 6" descr="A screenshot of a cell phone&#10;&#10;Description generated with high confidence">
             <a:extLst>
               <a:ext uri="{FF2B5EF4-FFF2-40B4-BE49-F238E27FC236}">
-                <a16:creationId xmlns:a16="http://schemas.microsoft.com/office/drawing/2014/main" id="{1D8BA660-8234-48B1-8A36-270F5DE59677}"/>
+                <a16:creationId xmlns:a16="http://schemas.microsoft.com/office/drawing/2014/main" xmlns="" id="{1D8BA660-8234-48B1-8A36-270F5DE59677}"/>
               </a:ext>
             </a:extLst>
           </p:cNvPr>
@@ -9776,7 +11513,7 @@
           <p:cNvPr id="8" name="Content Placeholder 6" descr="A screenshot of a cell phone&#10;&#10;Description generated with high confidence">
             <a:extLst>
               <a:ext uri="{FF2B5EF4-FFF2-40B4-BE49-F238E27FC236}">
-                <a16:creationId xmlns:a16="http://schemas.microsoft.com/office/drawing/2014/main" id="{0BBB3E89-8A83-4F9E-B094-EAB2914A2B65}"/>
+                <a16:creationId xmlns:a16="http://schemas.microsoft.com/office/drawing/2014/main" xmlns="" id="{0BBB3E89-8A83-4F9E-B094-EAB2914A2B65}"/>
               </a:ext>
             </a:extLst>
           </p:cNvPr>
@@ -9819,7 +11556,7 @@
 </p:sld>
 </file>
 
-<file path=ppt/slides/slide4.xml><?xml version="1.0" encoding="utf-8"?>
+<file path=ppt/slides/slide5.xml><?xml version="1.0" encoding="utf-8"?>
 <p:sld xmlns:a="http://schemas.openxmlformats.org/drawingml/2006/main" xmlns:r="http://schemas.openxmlformats.org/officeDocument/2006/relationships" xmlns:p="http://schemas.openxmlformats.org/presentationml/2006/main">
   <p:cSld>
     <p:spTree>
@@ -10210,7 +11947,7 @@
 </p:sld>
 </file>
 
-<file path=ppt/slides/slide5.xml><?xml version="1.0" encoding="utf-8"?>
+<file path=ppt/slides/slide6.xml><?xml version="1.0" encoding="utf-8"?>
 <p:sld xmlns:a="http://schemas.openxmlformats.org/drawingml/2006/main" xmlns:r="http://schemas.openxmlformats.org/officeDocument/2006/relationships" xmlns:p="http://schemas.openxmlformats.org/presentationml/2006/main">
   <p:cSld>
     <p:spTree>
@@ -10512,7 +12249,7 @@
 </p:sld>
 </file>
 
-<file path=ppt/slides/slide6.xml><?xml version="1.0" encoding="utf-8"?>
+<file path=ppt/slides/slide7.xml><?xml version="1.0" encoding="utf-8"?>
 <p:sld xmlns:a="http://schemas.openxmlformats.org/drawingml/2006/main" xmlns:r="http://schemas.openxmlformats.org/officeDocument/2006/relationships" xmlns:p="http://schemas.openxmlformats.org/presentationml/2006/main">
   <p:cSld>
     <p:spTree>
@@ -10598,7 +12335,7 @@
               </a:p>
               <a:p>
                 <a14:m>
-                  <m:oMath xmlns:m="http://schemas.openxmlformats.org/officeDocument/2006/math">
+                  <m:oMath xmlns:m="http://schemas.openxmlformats.org/officeDocument/2006/math" xmlns="">
                     <m:f>
                       <m:fPr>
                         <m:ctrlPr>
@@ -10715,7 +12452,7 @@
 </p:sld>
 </file>
 
-<file path=ppt/slides/slide7.xml><?xml version="1.0" encoding="utf-8"?>
+<file path=ppt/slides/slide8.xml><?xml version="1.0" encoding="utf-8"?>
 <p:sld xmlns:a="http://schemas.openxmlformats.org/drawingml/2006/main" xmlns:r="http://schemas.openxmlformats.org/officeDocument/2006/relationships" xmlns:p="http://schemas.openxmlformats.org/presentationml/2006/main">
   <p:cSld>
     <p:spTree>
@@ -10845,86 +12582,6 @@
     <p:extLst>
       <p:ext uri="{BB962C8B-B14F-4D97-AF65-F5344CB8AC3E}">
         <p14:creationId xmlns:p14="http://schemas.microsoft.com/office/powerpoint/2010/main" val="2798988976"/>
-      </p:ext>
-    </p:extLst>
-  </p:cSld>
-  <p:clrMapOvr>
-    <a:masterClrMapping/>
-  </p:clrMapOvr>
-</p:sld>
-</file>
-
-<file path=ppt/slides/slide8.xml><?xml version="1.0" encoding="utf-8"?>
-<p:sld xmlns:a="http://schemas.openxmlformats.org/drawingml/2006/main" xmlns:r="http://schemas.openxmlformats.org/officeDocument/2006/relationships" xmlns:p="http://schemas.openxmlformats.org/presentationml/2006/main">
-  <p:cSld>
-    <p:spTree>
-      <p:nvGrpSpPr>
-        <p:cNvPr id="1" name=""/>
-        <p:cNvGrpSpPr/>
-        <p:nvPr/>
-      </p:nvGrpSpPr>
-      <p:grpSpPr>
-        <a:xfrm>
-          <a:off x="0" y="0"/>
-          <a:ext cx="0" cy="0"/>
-          <a:chOff x="0" y="0"/>
-          <a:chExt cx="0" cy="0"/>
-        </a:xfrm>
-      </p:grpSpPr>
-      <p:sp>
-        <p:nvSpPr>
-          <p:cNvPr id="2" name="Titel 1"/>
-          <p:cNvSpPr>
-            <a:spLocks noGrp="1"/>
-          </p:cNvSpPr>
-          <p:nvPr>
-            <p:ph type="title"/>
-          </p:nvPr>
-        </p:nvSpPr>
-        <p:spPr/>
-        <p:txBody>
-          <a:bodyPr/>
-          <a:lstStyle/>
-          <a:p>
-            <a:r>
-              <a:rPr lang="nl-NL" dirty="0"/>
-              <a:t>Random sampling</a:t>
-            </a:r>
-          </a:p>
-        </p:txBody>
-      </p:sp>
-      <p:sp>
-        <p:nvSpPr>
-          <p:cNvPr id="3" name="Tijdelijke aanduiding voor inhoud 2"/>
-          <p:cNvSpPr>
-            <a:spLocks noGrp="1"/>
-          </p:cNvSpPr>
-          <p:nvPr>
-            <p:ph idx="1"/>
-          </p:nvPr>
-        </p:nvSpPr>
-        <p:spPr/>
-        <p:txBody>
-          <a:bodyPr/>
-          <a:lstStyle/>
-          <a:p>
-            <a:r>
-              <a:rPr lang="nl-NL" dirty="0"/>
-              <a:t>Heuristiek</a:t>
-            </a:r>
-          </a:p>
-          <a:p>
-            <a:r>
-              <a:rPr lang="nl-NL" dirty="0"/>
-              <a:t>Steekproef van 20000 random ingevulde roosters</a:t>
-            </a:r>
-          </a:p>
-        </p:txBody>
-      </p:sp>
-    </p:spTree>
-    <p:extLst>
-      <p:ext uri="{BB962C8B-B14F-4D97-AF65-F5344CB8AC3E}">
-        <p14:creationId xmlns:p14="http://schemas.microsoft.com/office/powerpoint/2010/main" val="1435984263"/>
       </p:ext>
     </p:extLst>
   </p:cSld>
@@ -10963,16 +12620,13 @@
         </p:nvSpPr>
         <p:spPr/>
         <p:txBody>
-          <a:bodyPr>
-            <a:normAutofit/>
-          </a:bodyPr>
+          <a:bodyPr/>
           <a:lstStyle/>
           <a:p>
             <a:r>
-              <a:rPr lang="en-US" dirty="0" err="1"/>
-              <a:t>Hillclimber</a:t>
-            </a:r>
-            <a:endParaRPr lang="nl-NL" dirty="0"/>
+              <a:rPr lang="nl-NL" dirty="0"/>
+              <a:t>Random sampling</a:t>
+            </a:r>
           </a:p>
         </p:txBody>
       </p:sp>
@@ -10993,84 +12647,13 @@
           <a:p>
             <a:r>
               <a:rPr lang="nl-NL" dirty="0"/>
-              <a:t>Stochastische </a:t>
-            </a:r>
-            <a:r>
-              <a:rPr lang="nl-NL" dirty="0" err="1"/>
-              <a:t>Hillclimber</a:t>
-            </a:r>
-            <a:endParaRPr lang="nl-NL" dirty="0"/>
-          </a:p>
-          <a:p>
-            <a:pPr lvl="1"/>
+              <a:t>Heuristiek</a:t>
+            </a:r>
+          </a:p>
+          <a:p>
             <a:r>
               <a:rPr lang="nl-NL" dirty="0"/>
-              <a:t>Random 2 activiteiten selecteren en omwisselen van zaalslot</a:t>
-            </a:r>
-          </a:p>
-          <a:p>
-            <a:pPr lvl="1"/>
-            <a:r>
-              <a:rPr lang="nl-NL" dirty="0"/>
-              <a:t>Hogere score = rooster accepteren</a:t>
-            </a:r>
-          </a:p>
-          <a:p>
-            <a:pPr lvl="1"/>
-            <a:r>
-              <a:rPr lang="nl-NL" dirty="0"/>
-              <a:t>Stopcriteria; aantal iteraties</a:t>
-            </a:r>
-          </a:p>
-          <a:p>
-            <a:r>
-              <a:rPr lang="nl-NL" dirty="0"/>
-              <a:t>Steepest </a:t>
-            </a:r>
-            <a:r>
-              <a:rPr lang="nl-NL" dirty="0" err="1"/>
-              <a:t>Ascent</a:t>
-            </a:r>
-            <a:r>
-              <a:rPr lang="nl-NL" dirty="0"/>
-              <a:t> </a:t>
-            </a:r>
-            <a:r>
-              <a:rPr lang="nl-NL" dirty="0" err="1"/>
-              <a:t>HillClimber</a:t>
-            </a:r>
-            <a:endParaRPr lang="nl-NL" dirty="0"/>
-          </a:p>
-          <a:p>
-            <a:pPr lvl="1"/>
-            <a:r>
-              <a:rPr lang="nl-NL" dirty="0"/>
-              <a:t>Beste score van alle wissels t.o.v. één activiteit kiezen</a:t>
-            </a:r>
-          </a:p>
-          <a:p>
-            <a:r>
-              <a:rPr lang="nl-NL" dirty="0" err="1"/>
-              <a:t>Simulated</a:t>
-            </a:r>
-            <a:r>
-              <a:rPr lang="nl-NL" dirty="0"/>
-              <a:t> </a:t>
-            </a:r>
-            <a:r>
-              <a:rPr lang="nl-NL" dirty="0" err="1"/>
-              <a:t>Annealing</a:t>
-            </a:r>
-            <a:r>
-              <a:rPr lang="nl-NL" dirty="0"/>
-              <a:t> </a:t>
-            </a:r>
-          </a:p>
-          <a:p>
-            <a:pPr lvl="1"/>
-            <a:r>
-              <a:rPr lang="nl-NL" dirty="0"/>
-              <a:t>Verslechteringen accepteren middels koelschema’s</a:t>
+              <a:t>Steekproef van 20000 random ingevulde roosters</a:t>
             </a:r>
           </a:p>
         </p:txBody>
@@ -11078,7 +12661,7 @@
     </p:spTree>
     <p:extLst>
       <p:ext uri="{BB962C8B-B14F-4D97-AF65-F5344CB8AC3E}">
-        <p14:creationId xmlns:p14="http://schemas.microsoft.com/office/powerpoint/2010/main" val="768634526"/>
+        <p14:creationId xmlns:p14="http://schemas.microsoft.com/office/powerpoint/2010/main" val="1435984263"/>
       </p:ext>
     </p:extLst>
   </p:cSld>
@@ -11362,7 +12945,7 @@
   <a:extraClrSchemeLst/>
   <a:extLst>
     <a:ext uri="{05A4C25C-085E-4340-85A3-A5531E510DB2}">
-      <thm15:themeFamily xmlns:thm15="http://schemas.microsoft.com/office/thememl/2012/main" name="Crop" id="{EC9488ED-E761-4D60-9AC4-764D1FE2C171}" vid="{CE19780C-D67D-4C13-9DE9-A52BC3BA51B4}"/>
+      <thm15:themeFamily xmlns:thm15="http://schemas.microsoft.com/office/thememl/2012/main" xmlns="" name="Crop" id="{EC9488ED-E761-4D60-9AC4-764D1FE2C171}" vid="{CE19780C-D67D-4C13-9DE9-A52BC3BA51B4}"/>
     </a:ext>
   </a:extLst>
 </a:theme>
@@ -11411,7 +12994,7 @@
     </a:clrScheme>
     <a:fontScheme name="Kantoor">
       <a:majorFont>
-        <a:latin typeface="Calibri Light" panose="020F0302020204030204"/>
+        <a:latin typeface="Calibri Light"/>
         <a:ea typeface=""/>
         <a:cs typeface=""/>
         <a:font script="Jpan" typeface="ＭＳ Ｐゴシック"/>
@@ -11446,7 +13029,7 @@
         <a:font script="Geor" typeface="Sylfaen"/>
       </a:majorFont>
       <a:minorFont>
-        <a:latin typeface="Calibri" panose="020F0502020204030204"/>
+        <a:latin typeface="Calibri"/>
         <a:ea typeface=""/>
         <a:cs typeface=""/>
         <a:font script="Jpan" typeface="ＭＳ Ｐゴシック"/>
@@ -11623,7 +13206,7 @@
   <a:extraClrSchemeLst/>
   <a:extLst>
     <a:ext uri="{05A4C25C-085E-4340-85A3-A5531E510DB2}">
-      <thm15:themeFamily xmlns:thm15="http://schemas.microsoft.com/office/thememl/2012/main" name="Office Theme" id="{62F939B6-93AF-4DB8-9C6B-D6C7DFDC589F}" vid="{4A3C46E8-61CC-4603-A589-7422A47A8E4A}"/>
+      <thm15:themeFamily xmlns:thm15="http://schemas.microsoft.com/office/thememl/2012/main" xmlns="" name="Office Theme" id="{62F939B6-93AF-4DB8-9C6B-D6C7DFDC589F}" vid="{4A3C46E8-61CC-4603-A589-7422A47A8E4A}"/>
     </a:ext>
   </a:extLst>
 </a:theme>
